--- a/Project_Group4.pptx
+++ b/Project_Group4.pptx
@@ -29,7 +29,7 @@
   <p:notesSz cx="6858000" cy="9144000"/>
   <p:embeddedFontLst>
     <p:embeddedFont>
-      <p:font typeface="Assistant" panose="020B0604020202020204" charset="-79"/>
+      <p:font typeface="Assistant" pitchFamily="2" charset="-79"/>
       <p:regular r:id="rId19"/>
       <p:bold r:id="rId20"/>
     </p:embeddedFont>
@@ -1076,10 +1076,10 @@
               <a:buAutoNum type="arabicPeriod"/>
             </a:pPr>
             <a:r>
-              <a:rPr lang="en-US" b="1" dirty="0" smtClean="0"/>
+              <a:rPr lang="en-US" b="1" dirty="0"/>
               <a:t>Retrieve Length Values:</a:t>
             </a:r>
-            <a:endParaRPr lang="en-US" dirty="0" smtClean="0"/>
+            <a:endParaRPr lang="en-US" dirty="0"/>
           </a:p>
           <a:p>
             <a:pPr marL="742950" lvl="1" indent="-285750">
@@ -1087,35 +1087,35 @@
               <a:buAutoNum type="arabicPeriod"/>
             </a:pPr>
             <a:r>
-              <a:rPr lang="en-US" dirty="0" err="1" smtClean="0"/>
+              <a:rPr lang="en-US" dirty="0" err="1"/>
               <a:t>password_length</a:t>
             </a:r>
             <a:r>
-              <a:rPr lang="en-US" dirty="0" smtClean="0"/>
+              <a:rPr lang="en-US" dirty="0"/>
               <a:t> = </a:t>
             </a:r>
             <a:r>
-              <a:rPr lang="en-US" dirty="0" err="1" smtClean="0"/>
+              <a:rPr lang="en-US" dirty="0" err="1"/>
               <a:t>self.password_length_spinbox.value</a:t>
             </a:r>
             <a:r>
-              <a:rPr lang="en-US" dirty="0" smtClean="0"/>
+              <a:rPr lang="en-US" dirty="0"/>
               <a:t>()</a:t>
             </a:r>
             <a:r>
-              <a:rPr lang="en-US" dirty="0" err="1" smtClean="0"/>
+              <a:rPr lang="en-US" dirty="0" err="1"/>
               <a:t>username_length</a:t>
             </a:r>
             <a:r>
-              <a:rPr lang="en-US" dirty="0" smtClean="0"/>
+              <a:rPr lang="en-US" dirty="0"/>
               <a:t> = </a:t>
             </a:r>
             <a:r>
-              <a:rPr lang="en-US" dirty="0" err="1" smtClean="0"/>
+              <a:rPr lang="en-US" dirty="0" err="1"/>
               <a:t>self.username_length_spinbox.value</a:t>
             </a:r>
             <a:r>
-              <a:rPr lang="en-US" dirty="0" smtClean="0"/>
+              <a:rPr lang="en-US" dirty="0"/>
               <a:t>()</a:t>
             </a:r>
           </a:p>
@@ -1125,7 +1125,7 @@
               <a:buAutoNum type="arabicPeriod"/>
             </a:pPr>
             <a:r>
-              <a:rPr lang="en-US" dirty="0" smtClean="0"/>
+              <a:rPr lang="en-US" dirty="0"/>
               <a:t>The method retrieves the desired lengths for the password and username from the spin boxes in the UI.</a:t>
             </a:r>
           </a:p>
@@ -1135,10 +1135,10 @@
               <a:buAutoNum type="arabicPeriod"/>
             </a:pPr>
             <a:r>
-              <a:rPr lang="en-US" b="1" dirty="0" smtClean="0"/>
+              <a:rPr lang="en-US" b="1" dirty="0"/>
               <a:t>Generate Password and Username:</a:t>
             </a:r>
-            <a:endParaRPr lang="en-US" dirty="0" smtClean="0"/>
+            <a:endParaRPr lang="en-US" dirty="0"/>
           </a:p>
           <a:p>
             <a:pPr marL="742950" lvl="1" indent="-285750">
@@ -1146,23 +1146,23 @@
               <a:buAutoNum type="arabicPeriod"/>
             </a:pPr>
             <a:r>
-              <a:rPr lang="en-US" dirty="0" smtClean="0"/>
+              <a:rPr lang="en-US" dirty="0"/>
               <a:t>password = </a:t>
             </a:r>
             <a:r>
-              <a:rPr lang="en-US" dirty="0" err="1" smtClean="0"/>
+              <a:rPr lang="en-US" dirty="0" err="1"/>
               <a:t>self.manager.generate_password</a:t>
             </a:r>
             <a:r>
-              <a:rPr lang="en-US" dirty="0" smtClean="0"/>
+              <a:rPr lang="en-US" dirty="0"/>
               <a:t>(</a:t>
             </a:r>
             <a:r>
-              <a:rPr lang="en-US" dirty="0" err="1" smtClean="0"/>
+              <a:rPr lang="en-US" dirty="0" err="1"/>
               <a:t>password_length</a:t>
             </a:r>
             <a:r>
-              <a:rPr lang="en-US" dirty="0" smtClean="0"/>
+              <a:rPr lang="en-US" dirty="0"/>
               <a:t>)</a:t>
             </a:r>
           </a:p>
@@ -1172,31 +1172,31 @@
               <a:buAutoNum type="arabicPeriod"/>
             </a:pPr>
             <a:r>
-              <a:rPr lang="en-US" dirty="0" smtClean="0"/>
+              <a:rPr lang="en-US" dirty="0"/>
               <a:t>username = </a:t>
             </a:r>
             <a:r>
-              <a:rPr lang="en-US" dirty="0" err="1" smtClean="0"/>
+              <a:rPr lang="en-US" dirty="0" err="1"/>
               <a:t>self.username_input.text</a:t>
             </a:r>
             <a:r>
-              <a:rPr lang="en-US" dirty="0" smtClean="0"/>
+              <a:rPr lang="en-US" dirty="0"/>
               <a:t>() or </a:t>
             </a:r>
             <a:r>
-              <a:rPr lang="en-US" dirty="0" err="1" smtClean="0"/>
+              <a:rPr lang="en-US" dirty="0" err="1"/>
               <a:t>self.manager.generate_username</a:t>
             </a:r>
             <a:r>
-              <a:rPr lang="en-US" dirty="0" smtClean="0"/>
+              <a:rPr lang="en-US" dirty="0"/>
               <a:t>(</a:t>
             </a:r>
             <a:r>
-              <a:rPr lang="en-US" dirty="0" err="1" smtClean="0"/>
+              <a:rPr lang="en-US" dirty="0" err="1"/>
               <a:t>username_length</a:t>
             </a:r>
             <a:r>
-              <a:rPr lang="en-US" dirty="0" smtClean="0"/>
+              <a:rPr lang="en-US" dirty="0"/>
               <a:t>)</a:t>
             </a:r>
           </a:p>
@@ -1206,7 +1206,7 @@
               <a:buAutoNum type="arabicPeriod"/>
             </a:pPr>
             <a:r>
-              <a:rPr lang="en-US" dirty="0" smtClean="0"/>
+              <a:rPr lang="en-US" dirty="0"/>
               <a:t>The password is generated using the specified length.</a:t>
             </a:r>
           </a:p>
@@ -1216,7 +1216,7 @@
               <a:buAutoNum type="arabicPeriod"/>
             </a:pPr>
             <a:r>
-              <a:rPr lang="en-US" dirty="0" smtClean="0"/>
+              <a:rPr lang="en-US" dirty="0"/>
               <a:t>The username is taken from the input field if provided; otherwise, it is generated using the specified length.</a:t>
             </a:r>
           </a:p>
@@ -1226,10 +1226,10 @@
               <a:buAutoNum type="arabicPeriod"/>
             </a:pPr>
             <a:r>
-              <a:rPr lang="en-US" b="1" dirty="0" smtClean="0"/>
+              <a:rPr lang="en-US" b="1" dirty="0"/>
               <a:t>Check for Existing Username:</a:t>
             </a:r>
-            <a:endParaRPr lang="en-US" dirty="0" smtClean="0"/>
+            <a:endParaRPr lang="en-US" dirty="0"/>
           </a:p>
           <a:p>
             <a:pPr marL="742950" lvl="1" indent="-285750">
@@ -1237,15 +1237,15 @@
               <a:buAutoNum type="arabicPeriod"/>
             </a:pPr>
             <a:r>
-              <a:rPr lang="en-US" dirty="0" smtClean="0"/>
+              <a:rPr lang="en-US" dirty="0"/>
               <a:t>if </a:t>
             </a:r>
             <a:r>
-              <a:rPr lang="en-US" dirty="0" err="1" smtClean="0"/>
+              <a:rPr lang="en-US" dirty="0" err="1"/>
               <a:t>self.manager.config.has_option</a:t>
             </a:r>
             <a:r>
-              <a:rPr lang="en-US" dirty="0" smtClean="0"/>
+              <a:rPr lang="en-US" dirty="0"/>
               <a:t>('Users', username):</a:t>
             </a:r>
           </a:p>
@@ -1255,7 +1255,7 @@
               <a:buAutoNum type="arabicPeriod"/>
             </a:pPr>
             <a:r>
-              <a:rPr lang="en-US" dirty="0" smtClean="0"/>
+              <a:rPr lang="en-US" dirty="0"/>
               <a:t>The method checks if the generated or entered username already exists in the configuration file.</a:t>
             </a:r>
           </a:p>
@@ -1265,7 +1265,7 @@
               <a:buAutoNum type="arabicPeriod"/>
             </a:pPr>
             <a:r>
-              <a:rPr lang="en-US" dirty="0" smtClean="0"/>
+              <a:rPr lang="en-US" dirty="0"/>
               <a:t>If the username exists, an error message is shown, and the method exits early.</a:t>
             </a:r>
           </a:p>
@@ -1275,10 +1275,10 @@
               <a:buAutoNum type="arabicPeriod"/>
             </a:pPr>
             <a:r>
-              <a:rPr lang="en-US" b="1" dirty="0" smtClean="0"/>
+              <a:rPr lang="en-US" b="1" dirty="0"/>
               <a:t>Evaluate Password Strength:</a:t>
             </a:r>
-            <a:endParaRPr lang="en-US" dirty="0" smtClean="0"/>
+            <a:endParaRPr lang="en-US" dirty="0"/>
           </a:p>
           <a:p>
             <a:pPr marL="742950" lvl="1" indent="-285750">
@@ -1286,27 +1286,27 @@
               <a:buAutoNum type="arabicPeriod"/>
             </a:pPr>
             <a:r>
-              <a:rPr lang="en-US" dirty="0" err="1" smtClean="0"/>
+              <a:rPr lang="en-US" dirty="0" err="1"/>
               <a:t>strength_value</a:t>
             </a:r>
             <a:r>
-              <a:rPr lang="en-US" dirty="0" smtClean="0"/>
+              <a:rPr lang="en-US" dirty="0"/>
               <a:t>, </a:t>
             </a:r>
             <a:r>
-              <a:rPr lang="en-US" dirty="0" err="1" smtClean="0"/>
+              <a:rPr lang="en-US" dirty="0" err="1"/>
               <a:t>strength_name</a:t>
             </a:r>
             <a:r>
-              <a:rPr lang="en-US" dirty="0" smtClean="0"/>
+              <a:rPr lang="en-US" dirty="0"/>
               <a:t> = </a:t>
             </a:r>
             <a:r>
-              <a:rPr lang="en-US" dirty="0" err="1" smtClean="0"/>
+              <a:rPr lang="en-US" dirty="0" err="1"/>
               <a:t>self.manager.evaluate_password_strength</a:t>
             </a:r>
             <a:r>
-              <a:rPr lang="en-US" dirty="0" smtClean="0"/>
+              <a:rPr lang="en-US" dirty="0"/>
               <a:t>(password)</a:t>
             </a:r>
           </a:p>
@@ -1316,7 +1316,7 @@
               <a:buAutoNum type="arabicPeriod"/>
             </a:pPr>
             <a:r>
-              <a:rPr lang="en-US" dirty="0" smtClean="0"/>
+              <a:rPr lang="en-US" dirty="0"/>
               <a:t>The password is evaluated for strength, returning a numeric value and a descriptive name for the strength level.</a:t>
             </a:r>
           </a:p>
@@ -1326,10 +1326,10 @@
               <a:buAutoNum type="arabicPeriod"/>
             </a:pPr>
             <a:r>
-              <a:rPr lang="en-US" b="1" dirty="0" smtClean="0"/>
+              <a:rPr lang="en-US" b="1" dirty="0"/>
               <a:t>Update UI Elements:</a:t>
             </a:r>
-            <a:endParaRPr lang="en-US" dirty="0" smtClean="0"/>
+            <a:endParaRPr lang="en-US" dirty="0"/>
           </a:p>
           <a:p>
             <a:pPr marL="742950" lvl="1" indent="-285750">
@@ -1337,11 +1337,11 @@
               <a:buAutoNum type="arabicPeriod"/>
             </a:pPr>
             <a:r>
-              <a:rPr lang="en-US" dirty="0" err="1" smtClean="0"/>
+              <a:rPr lang="en-US" dirty="0" err="1"/>
               <a:t>self.username_entry.setText</a:t>
             </a:r>
             <a:r>
-              <a:rPr lang="en-US" dirty="0" smtClean="0"/>
+              <a:rPr lang="en-US" dirty="0"/>
               <a:t>(username)</a:t>
             </a:r>
           </a:p>
@@ -1351,11 +1351,11 @@
               <a:buAutoNum type="arabicPeriod"/>
             </a:pPr>
             <a:r>
-              <a:rPr lang="en-US" dirty="0" err="1" smtClean="0"/>
+              <a:rPr lang="en-US" dirty="0" err="1"/>
               <a:t>self.password_entry.setText</a:t>
             </a:r>
             <a:r>
-              <a:rPr lang="en-US" dirty="0" smtClean="0"/>
+              <a:rPr lang="en-US" dirty="0"/>
               <a:t>(password)</a:t>
             </a:r>
           </a:p>
@@ -1365,7 +1365,7 @@
               <a:buAutoNum type="arabicPeriod"/>
             </a:pPr>
             <a:r>
-              <a:rPr lang="en-US" dirty="0" smtClean="0"/>
+              <a:rPr lang="en-US" dirty="0"/>
               <a:t>The generated username and password are displayed in their respective text fields in the UI.</a:t>
             </a:r>
           </a:p>
@@ -1375,10 +1375,10 @@
               <a:buAutoNum type="arabicPeriod"/>
             </a:pPr>
             <a:r>
-              <a:rPr lang="en-US" b="1" dirty="0" smtClean="0"/>
+              <a:rPr lang="en-US" b="1" dirty="0"/>
               <a:t>Display Password Strength:</a:t>
             </a:r>
-            <a:endParaRPr lang="en-US" dirty="0" smtClean="0"/>
+            <a:endParaRPr lang="en-US" dirty="0"/>
           </a:p>
           <a:p>
             <a:pPr marL="742950" lvl="1" indent="-285750">
@@ -1386,27 +1386,27 @@
               <a:buAutoNum type="arabicPeriod"/>
             </a:pPr>
             <a:r>
-              <a:rPr lang="en-US" dirty="0" err="1" smtClean="0"/>
+              <a:rPr lang="en-US" dirty="0" err="1"/>
               <a:t>self.strength_widget.set_strength</a:t>
             </a:r>
             <a:r>
-              <a:rPr lang="en-US" dirty="0" smtClean="0"/>
+              <a:rPr lang="en-US" dirty="0"/>
               <a:t>(</a:t>
             </a:r>
             <a:r>
-              <a:rPr lang="en-US" dirty="0" err="1" smtClean="0"/>
+              <a:rPr lang="en-US" dirty="0" err="1"/>
               <a:t>strength_value</a:t>
             </a:r>
             <a:r>
-              <a:rPr lang="en-US" dirty="0" smtClean="0"/>
+              <a:rPr lang="en-US" dirty="0"/>
               <a:t>, </a:t>
             </a:r>
             <a:r>
-              <a:rPr lang="en-US" dirty="0" err="1" smtClean="0"/>
+              <a:rPr lang="en-US" dirty="0" err="1"/>
               <a:t>strength_name</a:t>
             </a:r>
             <a:r>
-              <a:rPr lang="en-US" dirty="0" smtClean="0"/>
+              <a:rPr lang="en-US" dirty="0"/>
               <a:t>)</a:t>
             </a:r>
           </a:p>
@@ -1416,7 +1416,7 @@
               <a:buAutoNum type="arabicPeriod"/>
             </a:pPr>
             <a:r>
-              <a:rPr lang="en-US" dirty="0" smtClean="0"/>
+              <a:rPr lang="en-US" dirty="0"/>
               <a:t>The password strength widget is updated to visually represent the strength of the generated password.</a:t>
             </a:r>
           </a:p>
@@ -1426,10 +1426,10 @@
               <a:buAutoNum type="arabicPeriod"/>
             </a:pPr>
             <a:r>
-              <a:rPr lang="en-US" b="1" dirty="0" smtClean="0"/>
+              <a:rPr lang="en-US" b="1" dirty="0"/>
               <a:t>Error Handling:</a:t>
             </a:r>
-            <a:endParaRPr lang="en-US" dirty="0" smtClean="0"/>
+            <a:endParaRPr lang="en-US" dirty="0"/>
           </a:p>
           <a:p>
             <a:pPr marL="742950" lvl="1" indent="-285750">
@@ -1437,7 +1437,7 @@
               <a:buAutoNum type="arabicPeriod"/>
             </a:pPr>
             <a:r>
-              <a:rPr lang="en-US" dirty="0" smtClean="0"/>
+              <a:rPr lang="en-US" dirty="0"/>
               <a:t>The entire method is wrapped in a try-except block to handle and log any potential errors that occur during the process.</a:t>
             </a:r>
           </a:p>
@@ -1447,7 +1447,7 @@
               <a:buAutoNum type="arabicPeriod"/>
             </a:pPr>
             <a:r>
-              <a:rPr lang="en-US" dirty="0" smtClean="0"/>
+              <a:rPr lang="en-US" dirty="0"/>
               <a:t>except Exception as e:</a:t>
             </a:r>
           </a:p>
@@ -1457,25 +1457,25 @@
               <a:buAutoNum type="arabicPeriod"/>
             </a:pPr>
             <a:r>
-              <a:rPr lang="en-US" dirty="0" err="1" smtClean="0"/>
+              <a:rPr lang="en-US" dirty="0" err="1"/>
               <a:t>logging.error</a:t>
             </a:r>
             <a:r>
-              <a:rPr lang="en-US" dirty="0" smtClean="0"/>
+              <a:rPr lang="en-US" dirty="0"/>
               <a:t>(</a:t>
             </a:r>
             <a:r>
-              <a:rPr lang="en-US" dirty="0" err="1" smtClean="0"/>
+              <a:rPr lang="en-US" dirty="0" err="1"/>
               <a:t>f"Error</a:t>
             </a:r>
             <a:r>
-              <a:rPr lang="en-US" dirty="0" smtClean="0"/>
+              <a:rPr lang="en-US" dirty="0"/>
               <a:t> generating credentials: {e}")</a:t>
             </a:r>
           </a:p>
           <a:p>
             <a:r>
-              <a:rPr lang="en-US" b="1" dirty="0" smtClean="0"/>
+              <a:rPr lang="en-US" b="1" dirty="0"/>
               <a:t>Visual Representation:</a:t>
             </a:r>
           </a:p>
@@ -1485,19 +1485,19 @@
               <a:buChar char="•"/>
             </a:pPr>
             <a:r>
-              <a:rPr lang="en-US" b="1" dirty="0" smtClean="0"/>
+              <a:rPr lang="en-US" b="1" dirty="0"/>
               <a:t>Password Length </a:t>
             </a:r>
             <a:r>
-              <a:rPr lang="en-US" b="1" dirty="0" err="1" smtClean="0"/>
+              <a:rPr lang="en-US" b="1" dirty="0" err="1"/>
               <a:t>SpinBox</a:t>
             </a:r>
             <a:r>
-              <a:rPr lang="en-US" b="1" dirty="0" smtClean="0"/>
+              <a:rPr lang="en-US" b="1" dirty="0"/>
               <a:t>:</a:t>
             </a:r>
             <a:r>
-              <a:rPr lang="en-US" dirty="0" smtClean="0"/>
+              <a:rPr lang="en-US" dirty="0"/>
               <a:t> Allows the user to specify the length of the password.</a:t>
             </a:r>
           </a:p>
@@ -1507,19 +1507,19 @@
               <a:buChar char="•"/>
             </a:pPr>
             <a:r>
-              <a:rPr lang="en-US" b="1" dirty="0" smtClean="0"/>
+              <a:rPr lang="en-US" b="1" dirty="0"/>
               <a:t>Username Length </a:t>
             </a:r>
             <a:r>
-              <a:rPr lang="en-US" b="1" dirty="0" err="1" smtClean="0"/>
+              <a:rPr lang="en-US" b="1" dirty="0" err="1"/>
               <a:t>SpinBox</a:t>
             </a:r>
             <a:r>
-              <a:rPr lang="en-US" b="1" dirty="0" smtClean="0"/>
+              <a:rPr lang="en-US" b="1" dirty="0"/>
               <a:t>:</a:t>
             </a:r>
             <a:r>
-              <a:rPr lang="en-US" dirty="0" smtClean="0"/>
+              <a:rPr lang="en-US" dirty="0"/>
               <a:t> Allows the user to specify the length of the username.</a:t>
             </a:r>
           </a:p>
@@ -1529,11 +1529,11 @@
               <a:buChar char="•"/>
             </a:pPr>
             <a:r>
-              <a:rPr lang="en-US" b="1" dirty="0" smtClean="0"/>
+              <a:rPr lang="en-US" b="1" dirty="0"/>
               <a:t>Username Input Field:</a:t>
             </a:r>
             <a:r>
-              <a:rPr lang="en-US" dirty="0" smtClean="0"/>
+              <a:rPr lang="en-US" dirty="0"/>
               <a:t> Optional input where the user can provide a custom username.</a:t>
             </a:r>
           </a:p>
@@ -1543,11 +1543,11 @@
               <a:buChar char="•"/>
             </a:pPr>
             <a:r>
-              <a:rPr lang="en-US" b="1" dirty="0" smtClean="0"/>
+              <a:rPr lang="en-US" b="1" dirty="0"/>
               <a:t>Generated Username and Password Display:</a:t>
             </a:r>
             <a:r>
-              <a:rPr lang="en-US" dirty="0" smtClean="0"/>
+              <a:rPr lang="en-US" dirty="0"/>
               <a:t> Text fields showing the generated credentials.</a:t>
             </a:r>
           </a:p>
@@ -1557,17 +1557,17 @@
               <a:buChar char="•"/>
             </a:pPr>
             <a:r>
-              <a:rPr lang="en-US" b="1" dirty="0" smtClean="0"/>
+              <a:rPr lang="en-US" b="1" dirty="0"/>
               <a:t>Password Strength Widget:</a:t>
             </a:r>
             <a:r>
-              <a:rPr lang="en-US" dirty="0" smtClean="0"/>
+              <a:rPr lang="en-US" dirty="0"/>
               <a:t> Visual bars indicating the strength of the password.</a:t>
             </a:r>
           </a:p>
           <a:p>
             <a:r>
-              <a:rPr lang="en-US" b="1" dirty="0" smtClean="0"/>
+              <a:rPr lang="en-US" b="1" dirty="0"/>
               <a:t>Key Takeaways:</a:t>
             </a:r>
           </a:p>
@@ -1577,7 +1577,7 @@
               <a:buChar char="•"/>
             </a:pPr>
             <a:r>
-              <a:rPr lang="en-US" dirty="0" smtClean="0"/>
+              <a:rPr lang="en-US" dirty="0"/>
               <a:t>The generate method showcases the core functionality of generating and displaying secure credentials.</a:t>
             </a:r>
           </a:p>
@@ -1587,7 +1587,7 @@
               <a:buChar char="•"/>
             </a:pPr>
             <a:r>
-              <a:rPr lang="en-US" dirty="0" smtClean="0"/>
+              <a:rPr lang="en-US" dirty="0"/>
               <a:t>User input is used to customize the lengths of the generated username and password.</a:t>
             </a:r>
           </a:p>
@@ -1597,7 +1597,7 @@
               <a:buChar char="•"/>
             </a:pPr>
             <a:r>
-              <a:rPr lang="en-US" dirty="0" smtClean="0"/>
+              <a:rPr lang="en-US" dirty="0"/>
               <a:t>The method includes checks to avoid duplicate usernames and provides feedback through the UI.</a:t>
             </a:r>
           </a:p>
@@ -1607,7 +1607,7 @@
               <a:buChar char="•"/>
             </a:pPr>
             <a:r>
-              <a:rPr lang="en-US" dirty="0" smtClean="0"/>
+              <a:rPr lang="en-US" dirty="0"/>
               <a:t>Password strength is evaluated and visually represented to encourage the use of strong passwords.</a:t>
             </a:r>
           </a:p>
@@ -1617,13 +1617,13 @@
               <a:buChar char="•"/>
             </a:pPr>
             <a:r>
-              <a:rPr lang="en-US" dirty="0" smtClean="0"/>
+              <a:rPr lang="en-US" dirty="0"/>
               <a:t>Robust error handling ensures that any issues are logged for troubleshooting.</a:t>
             </a:r>
           </a:p>
           <a:p>
             <a:r>
-              <a:rPr lang="en-US" dirty="0" smtClean="0"/>
+              <a:rPr lang="en-US" dirty="0"/>
               <a:t>This example code snippet highlights how the application integrates various components to achieve its primary goal of generating and managing secure credentials efficiently and securely.</a:t>
             </a:r>
           </a:p>
@@ -2019,15 +2019,15 @@
               <a:buSzPts val="1400"/>
             </a:pPr>
             <a:r>
-              <a:rPr lang="en-US" sz="1100" dirty="0" smtClean="0"/>
+              <a:rPr lang="en-US" sz="1100" dirty="0"/>
               <a:t>Password generation: Strong, random password (</a:t>
             </a:r>
             <a:r>
-              <a:rPr lang="en-US" sz="1100" dirty="0" err="1" smtClean="0"/>
+              <a:rPr lang="en-US" sz="1100" dirty="0" err="1"/>
               <a:t>uppercase+lowercase+digits+special</a:t>
             </a:r>
             <a:r>
-              <a:rPr lang="en-US" sz="1100" dirty="0" smtClean="0"/>
+              <a:rPr lang="en-US" sz="1100" dirty="0"/>
               <a:t> characters)</a:t>
             </a:r>
           </a:p>
@@ -2042,7 +2042,7 @@
               <a:buSzPts val="1400"/>
             </a:pPr>
             <a:r>
-              <a:rPr lang="en-US" sz="1100" dirty="0" smtClean="0"/>
+              <a:rPr lang="en-US" sz="1100" dirty="0"/>
               <a:t>Password Strength Evaluation: Provides an immediate feedback on the strength of the password</a:t>
             </a:r>
           </a:p>
@@ -10211,14 +10211,6 @@
                 </a:solidFill>
               </a:rPr>
             </a:br>
-            <a:r>
-              <a:rPr lang="en-US" sz="3600" dirty="0">
-                <a:solidFill>
-                  <a:schemeClr val="tx1"/>
-                </a:solidFill>
-              </a:rPr>
-              <a:t/>
-            </a:r>
             <a:br>
               <a:rPr lang="en-US" sz="3600" dirty="0">
                 <a:solidFill>
@@ -10233,14 +10225,6 @@
                 </a:solidFill>
               </a:rPr>
               <a:t>A Graphical User Interface (GUI) Application for Secure Credential Management</a:t>
-            </a:r>
-            <a:r>
-              <a:rPr lang="en-US" i="1" dirty="0">
-                <a:solidFill>
-                  <a:schemeClr val="tx1"/>
-                </a:solidFill>
-              </a:rPr>
-              <a:t/>
             </a:r>
             <a:br>
               <a:rPr lang="en-US" i="1" dirty="0">
@@ -10595,13 +10579,6 @@
   <p:clrMapOvr>
     <a:masterClrMapping/>
   </p:clrMapOvr>
-  <p:timing>
-    <p:tnLst>
-      <p:par>
-        <p:cTn id="1" dur="indefinite" restart="never" nodeType="tmRoot"/>
-      </p:par>
-    </p:tnLst>
-  </p:timing>
 </p:sld>
 </file>
 
@@ -10717,26 +10694,15 @@
               <a:buNone/>
             </a:pPr>
             <a:r>
-              <a:rPr lang="en-US" sz="1100" b="1" dirty="0">
+              <a:rPr lang="en-US" b="1" dirty="0">
                 <a:solidFill>
                   <a:srgbClr val="000000"/>
                 </a:solidFill>
-                <a:latin typeface="Arial"/>
-                <a:cs typeface="Arial"/>
+                <a:latin typeface="Assistant" panose="020B0604020202020204" charset="-79"/>
+                <a:cs typeface="Assistant" panose="020B0604020202020204" charset="-79"/>
                 <a:sym typeface="Arial"/>
               </a:rPr>
-              <a:t>Retrieve Length </a:t>
-            </a:r>
-            <a:r>
-              <a:rPr lang="en-US" sz="1100" b="1" dirty="0" smtClean="0">
-                <a:solidFill>
-                  <a:srgbClr val="000000"/>
-                </a:solidFill>
-                <a:latin typeface="Arial"/>
-                <a:cs typeface="Arial"/>
-                <a:sym typeface="Arial"/>
-              </a:rPr>
-              <a:t>Values</a:t>
+              <a:t>Configuration.py</a:t>
             </a:r>
           </a:p>
         </p:txBody>
@@ -10772,32 +10738,35 @@
           </a:bodyPr>
           <a:lstStyle/>
           <a:p>
+            <a:pPr marL="0" indent="0" algn="ctr">
+              <a:buSzPts val="1100"/>
+              <a:buNone/>
+            </a:pPr>
+            <a:r>
+              <a:rPr lang="en-US" b="1" dirty="0"/>
+              <a:t>CredentialManager.py</a:t>
+            </a:r>
+          </a:p>
+          <a:p>
             <a:pPr marL="0" lvl="0" indent="0" algn="ctr">
               <a:buSzPts val="1100"/>
               <a:buNone/>
             </a:pPr>
-            <a:r>
-              <a:rPr lang="en-US" b="1" dirty="0"/>
-              <a:t>Check for Existing </a:t>
-            </a:r>
-            <a:r>
-              <a:rPr lang="en-US" b="1" dirty="0" smtClean="0"/>
-              <a:t>Username</a:t>
-            </a:r>
+            <a:endParaRPr lang="en-US" b="1" dirty="0"/>
           </a:p>
           <a:p>
             <a:pPr marL="0" lvl="0" indent="0" algn="ctr">
               <a:buSzPts val="1100"/>
               <a:buNone/>
             </a:pPr>
-            <a:endParaRPr lang="en-US" b="1" dirty="0"/>
-          </a:p>
-          <a:p>
-            <a:pPr marL="0" lvl="0" indent="0" algn="ctr">
-              <a:buSzPts val="1100"/>
-              <a:buNone/>
-            </a:pPr>
-            <a:endParaRPr dirty="0"/>
+            <a:endParaRPr dirty="0">
+              <a:solidFill>
+                <a:srgbClr val="000000"/>
+              </a:solidFill>
+              <a:latin typeface="Arial"/>
+              <a:cs typeface="Arial"/>
+              <a:sym typeface="Arial"/>
+            </a:endParaRPr>
           </a:p>
         </p:txBody>
       </p:sp>
@@ -10887,11 +10856,7 @@
             </a:pPr>
             <a:r>
               <a:rPr lang="en-US" b="1" dirty="0"/>
-              <a:t>Generate Password and </a:t>
-            </a:r>
-            <a:r>
-              <a:rPr lang="en-US" b="1" dirty="0" smtClean="0"/>
-              <a:t>Username</a:t>
+              <a:t>CredentialManager.py</a:t>
             </a:r>
           </a:p>
           <a:p>
@@ -11009,8 +10974,8 @@
         </p:nvSpPr>
         <p:spPr bwMode="auto">
           <a:xfrm>
-            <a:off x="385507" y="1449469"/>
-            <a:ext cx="2563772" cy="1862048"/>
+            <a:off x="457673" y="1431545"/>
+            <a:ext cx="2637579" cy="2215991"/>
           </a:xfrm>
           <a:prstGeom prst="rect">
             <a:avLst/>
@@ -11058,82 +11023,6 @@
           </a:bodyPr>
           <a:lstStyle/>
           <a:p>
-            <a:pPr marL="0" marR="0" lvl="0" indent="0" defTabSz="914400" rtl="0" eaLnBrk="0" fontAlgn="base" latinLnBrk="0" hangingPunct="0">
-              <a:lnSpc>
-                <a:spcPct val="100000"/>
-              </a:lnSpc>
-              <a:spcBef>
-                <a:spcPct val="0"/>
-              </a:spcBef>
-              <a:spcAft>
-                <a:spcPct val="0"/>
-              </a:spcAft>
-              <a:buClrTx/>
-              <a:buSzTx/>
-              <a:buFontTx/>
-              <a:buChar char="•"/>
-              <a:tabLst/>
-            </a:pPr>
-            <a:endParaRPr kumimoji="0" lang="en-US" altLang="en-US" sz="500" b="0" i="0" u="none" strike="noStrike" cap="none" normalizeH="0" baseline="0" dirty="0" smtClean="0">
-              <a:ln>
-                <a:noFill/>
-              </a:ln>
-              <a:solidFill>
-                <a:schemeClr val="tx1"/>
-              </a:solidFill>
-              <a:effectLst/>
-            </a:endParaRPr>
-          </a:p>
-          <a:p>
-            <a:pPr lvl="0" eaLnBrk="0" fontAlgn="base" hangingPunct="0">
-              <a:spcBef>
-                <a:spcPct val="0"/>
-              </a:spcBef>
-              <a:spcAft>
-                <a:spcPct val="0"/>
-              </a:spcAft>
-              <a:buClrTx/>
-              <a:buFontTx/>
-              <a:buChar char="•"/>
-            </a:pPr>
-            <a:r>
-              <a:rPr lang="en-US" altLang="en-US" sz="1100" dirty="0" err="1">
-                <a:solidFill>
-                  <a:schemeClr val="tx1"/>
-                </a:solidFill>
-                <a:latin typeface="Arial Unicode MS"/>
-              </a:rPr>
-              <a:t>password_length</a:t>
-            </a:r>
-            <a:r>
-              <a:rPr lang="en-US" altLang="en-US" sz="1100" dirty="0">
-                <a:solidFill>
-                  <a:schemeClr val="tx1"/>
-                </a:solidFill>
-                <a:latin typeface="Arial Unicode MS"/>
-              </a:rPr>
-              <a:t> = </a:t>
-            </a:r>
-            <a:r>
-              <a:rPr lang="en-US" altLang="en-US" sz="1100" dirty="0" err="1">
-                <a:solidFill>
-                  <a:schemeClr val="tx1"/>
-                </a:solidFill>
-                <a:latin typeface="Arial Unicode MS"/>
-              </a:rPr>
-              <a:t>self.password_length_spinbox.value</a:t>
-            </a:r>
-            <a:r>
-              <a:rPr lang="en-US" altLang="en-US" sz="1100" dirty="0" smtClean="0">
-                <a:solidFill>
-                  <a:schemeClr val="tx1"/>
-                </a:solidFill>
-                <a:latin typeface="Arial Unicode MS"/>
-              </a:rPr>
-              <a:t>()</a:t>
-            </a:r>
-          </a:p>
-          <a:p>
             <a:pPr lvl="0" eaLnBrk="0" fontAlgn="base" hangingPunct="0">
               <a:spcBef>
                 <a:spcPct val="0"/>
@@ -11143,119 +11032,99 @@
               </a:spcAft>
               <a:buClrTx/>
             </a:pPr>
-            <a:endParaRPr lang="en-US" altLang="en-US" sz="1100" dirty="0">
+            <a:r>
+              <a:rPr lang="en-US" altLang="en-US" dirty="0" err="1"/>
+              <a:t>logging.basicConfig</a:t>
+            </a:r>
+            <a:r>
+              <a:rPr lang="en-US" altLang="en-US" dirty="0"/>
+              <a:t>(filename='password_generator.log', level=</a:t>
+            </a:r>
+            <a:r>
+              <a:rPr lang="en-US" altLang="en-US" dirty="0" err="1"/>
+              <a:t>logging.ERROR</a:t>
+            </a:r>
+            <a:r>
+              <a:rPr lang="en-US" altLang="en-US" dirty="0"/>
+              <a:t>, format</a:t>
+            </a:r>
+            <a:r>
+              <a:rPr lang="en-US" altLang="en-US" dirty="0">
+                <a:sym typeface="Assistant"/>
+              </a:rPr>
+              <a:t>='%(</a:t>
+            </a:r>
+            <a:r>
+              <a:rPr lang="en-US" altLang="en-US" dirty="0" err="1"/>
+              <a:t>asctime</a:t>
+            </a:r>
+            <a:r>
+              <a:rPr lang="en-US" altLang="en-US" dirty="0"/>
+              <a:t>)s - %(</a:t>
+            </a:r>
+            <a:r>
+              <a:rPr lang="en-US" altLang="en-US" dirty="0" err="1"/>
+              <a:t>levelname</a:t>
+            </a:r>
+            <a:r>
+              <a:rPr lang="en-US" altLang="en-US" dirty="0"/>
+              <a:t>)s - %(message)s')</a:t>
+            </a:r>
+          </a:p>
+          <a:p>
+            <a:pPr lvl="0" eaLnBrk="0" fontAlgn="base" hangingPunct="0">
+              <a:spcBef>
+                <a:spcPct val="0"/>
+              </a:spcBef>
+              <a:spcAft>
+                <a:spcPct val="0"/>
+              </a:spcAft>
+              <a:buClrTx/>
+            </a:pPr>
+            <a:endParaRPr lang="en-US" altLang="en-US" dirty="0"/>
+          </a:p>
+          <a:p>
+            <a:pPr lvl="0" eaLnBrk="0" fontAlgn="base" hangingPunct="0">
+              <a:spcBef>
+                <a:spcPct val="0"/>
+              </a:spcBef>
+              <a:spcAft>
+                <a:spcPct val="0"/>
+              </a:spcAft>
+              <a:buClrTx/>
+            </a:pPr>
+            <a:endParaRPr lang="en-US" altLang="en-US" dirty="0"/>
+          </a:p>
+          <a:p>
+            <a:pPr lvl="0" eaLnBrk="0" fontAlgn="base" hangingPunct="0">
+              <a:spcBef>
+                <a:spcPct val="0"/>
+              </a:spcBef>
+              <a:spcAft>
+                <a:spcPct val="0"/>
+              </a:spcAft>
+              <a:buClrTx/>
+            </a:pPr>
+            <a:r>
+              <a:rPr lang="en-US" altLang="en-US" dirty="0"/>
+              <a:t>CONFIG_FILE = 'users.ini'</a:t>
+            </a:r>
+          </a:p>
+          <a:p>
+            <a:pPr lvl="0" eaLnBrk="0" fontAlgn="base" hangingPunct="0">
+              <a:spcBef>
+                <a:spcPct val="0"/>
+              </a:spcBef>
+              <a:spcAft>
+                <a:spcPct val="0"/>
+              </a:spcAft>
+              <a:buClrTx/>
+            </a:pPr>
+            <a:endParaRPr lang="en-US" altLang="en-US" sz="1200" dirty="0">
               <a:solidFill>
                 <a:schemeClr val="tx1"/>
               </a:solidFill>
             </a:endParaRPr>
-          </a:p>
-          <a:p>
-            <a:pPr lvl="0" eaLnBrk="0" fontAlgn="base" hangingPunct="0">
-              <a:spcBef>
-                <a:spcPct val="0"/>
-              </a:spcBef>
-              <a:spcAft>
-                <a:spcPct val="0"/>
-              </a:spcAft>
-              <a:buClrTx/>
-              <a:buFontTx/>
-              <a:buChar char="•"/>
-            </a:pPr>
-            <a:r>
-              <a:rPr lang="en-US" altLang="en-US" sz="1100" dirty="0" err="1">
-                <a:solidFill>
-                  <a:schemeClr val="tx1"/>
-                </a:solidFill>
-                <a:latin typeface="Arial Unicode MS"/>
-              </a:rPr>
-              <a:t>username_length</a:t>
-            </a:r>
-            <a:r>
-              <a:rPr lang="en-US" altLang="en-US" sz="1100" dirty="0">
-                <a:solidFill>
-                  <a:schemeClr val="tx1"/>
-                </a:solidFill>
-                <a:latin typeface="Arial Unicode MS"/>
-              </a:rPr>
-              <a:t> = </a:t>
-            </a:r>
-            <a:r>
-              <a:rPr lang="en-US" altLang="en-US" sz="1100" dirty="0" err="1">
-                <a:solidFill>
-                  <a:schemeClr val="tx1"/>
-                </a:solidFill>
-                <a:latin typeface="Arial Unicode MS"/>
-              </a:rPr>
-              <a:t>self.username_length_spinbox.value</a:t>
-            </a:r>
-            <a:r>
-              <a:rPr lang="en-US" altLang="en-US" sz="1100" dirty="0" smtClean="0">
-                <a:solidFill>
-                  <a:schemeClr val="tx1"/>
-                </a:solidFill>
-                <a:latin typeface="Arial Unicode MS"/>
-              </a:rPr>
-              <a:t>()</a:t>
-            </a:r>
-          </a:p>
-          <a:p>
-            <a:pPr lvl="0" eaLnBrk="0" fontAlgn="base" hangingPunct="0">
-              <a:spcBef>
-                <a:spcPct val="0"/>
-              </a:spcBef>
-              <a:spcAft>
-                <a:spcPct val="0"/>
-              </a:spcAft>
-              <a:buClrTx/>
-            </a:pPr>
-            <a:endParaRPr lang="en-US" altLang="en-US" sz="1100" dirty="0">
-              <a:solidFill>
-                <a:schemeClr val="tx1"/>
-              </a:solidFill>
-            </a:endParaRPr>
-          </a:p>
-          <a:p>
-            <a:pPr marL="0" marR="0" lvl="0" indent="0" defTabSz="914400" rtl="0" eaLnBrk="0" fontAlgn="base" latinLnBrk="0" hangingPunct="0">
-              <a:lnSpc>
-                <a:spcPct val="100000"/>
-              </a:lnSpc>
-              <a:spcBef>
-                <a:spcPct val="0"/>
-              </a:spcBef>
-              <a:spcAft>
-                <a:spcPct val="0"/>
-              </a:spcAft>
-              <a:buClrTx/>
-              <a:buSzTx/>
-              <a:buFontTx/>
-              <a:buChar char="•"/>
-              <a:tabLst/>
-            </a:pPr>
-            <a:r>
-              <a:rPr kumimoji="0" lang="en-US" altLang="en-US" sz="1100" b="0" i="0" u="none" strike="noStrike" cap="none" normalizeH="0" baseline="0" dirty="0" smtClean="0">
-                <a:ln>
-                  <a:noFill/>
-                </a:ln>
-                <a:solidFill>
-                  <a:schemeClr val="tx1"/>
-                </a:solidFill>
-                <a:effectLst/>
-              </a:rPr>
-              <a:t>The method retrieves the desired lengths for the password and username from the spin boxes in the UI.</a:t>
-            </a:r>
-            <a:r>
-              <a:rPr kumimoji="0" lang="en-US" altLang="en-US" sz="1100" b="0" i="0" u="none" strike="noStrike" cap="none" normalizeH="0" baseline="0" dirty="0" smtClean="0">
-                <a:ln>
-                  <a:noFill/>
-                </a:ln>
-                <a:solidFill>
-                  <a:schemeClr val="tx1"/>
-                </a:solidFill>
-                <a:effectLst/>
-                <a:latin typeface="Arial" panose="020B0604020202020204" pitchFamily="34" charset="0"/>
-              </a:rPr>
-              <a:t> </a:t>
-            </a:r>
           </a:p>
         </p:txBody>
       </p:sp>
@@ -11269,8 +11138,8 @@
         </p:nvSpPr>
         <p:spPr bwMode="auto">
           <a:xfrm>
-            <a:off x="3141506" y="1595170"/>
-            <a:ext cx="2587091" cy="2631490"/>
+            <a:off x="3095252" y="1306351"/>
+            <a:ext cx="2679600" cy="3908762"/>
           </a:xfrm>
           <a:prstGeom prst="rect">
             <a:avLst/>
@@ -11318,10 +11187,7 @@
           </a:bodyPr>
           <a:lstStyle/>
           <a:p>
-            <a:pPr marL="0" marR="0" lvl="0" indent="0" algn="l" defTabSz="914400" rtl="0" eaLnBrk="0" fontAlgn="base" latinLnBrk="0" hangingPunct="0">
-              <a:lnSpc>
-                <a:spcPct val="100000"/>
-              </a:lnSpc>
+            <a:pPr lvl="0" eaLnBrk="0" fontAlgn="base" hangingPunct="0">
               <a:spcBef>
                 <a:spcPct val="0"/>
               </a:spcBef>
@@ -11329,76 +11195,302 @@
                 <a:spcPct val="0"/>
               </a:spcAft>
               <a:buClrTx/>
-              <a:buSzTx/>
-              <a:buFontTx/>
-              <a:buChar char="•"/>
-              <a:tabLst/>
             </a:pPr>
             <a:r>
-              <a:rPr kumimoji="0" lang="en-US" altLang="en-US" sz="1100" b="0" i="0" u="none" strike="noStrike" cap="none" normalizeH="0" baseline="0" dirty="0" smtClean="0">
-                <a:ln>
-                  <a:noFill/>
-                </a:ln>
-                <a:solidFill>
-                  <a:schemeClr val="tx1"/>
-                </a:solidFill>
-                <a:effectLst/>
-                <a:latin typeface="Arial Unicode MS"/>
-              </a:rPr>
-              <a:t>password = </a:t>
-            </a:r>
-            <a:r>
-              <a:rPr kumimoji="0" lang="en-US" altLang="en-US" sz="1100" b="0" i="0" u="none" strike="noStrike" cap="none" normalizeH="0" baseline="0" dirty="0" err="1" smtClean="0">
-                <a:ln>
-                  <a:noFill/>
-                </a:ln>
-                <a:solidFill>
-                  <a:schemeClr val="tx1"/>
-                </a:solidFill>
-                <a:effectLst/>
-                <a:latin typeface="Arial Unicode MS"/>
-              </a:rPr>
-              <a:t>self.manager.generate_password</a:t>
-            </a:r>
-            <a:r>
-              <a:rPr kumimoji="0" lang="en-US" altLang="en-US" sz="1100" b="0" i="0" u="none" strike="noStrike" cap="none" normalizeH="0" baseline="0" dirty="0" smtClean="0">
-                <a:ln>
-                  <a:noFill/>
-                </a:ln>
-                <a:solidFill>
-                  <a:schemeClr val="tx1"/>
-                </a:solidFill>
-                <a:effectLst/>
-                <a:latin typeface="Arial Unicode MS"/>
-              </a:rPr>
+              <a:rPr lang="en-US" altLang="en-US" sz="1200" dirty="0"/>
+              <a:t>class </a:t>
+            </a:r>
+            <a:r>
+              <a:rPr lang="en-US" altLang="en-US" sz="1200" dirty="0" err="1"/>
+              <a:t>CredentialManager</a:t>
+            </a:r>
+            <a:r>
+              <a:rPr lang="en-US" altLang="en-US" sz="1200" dirty="0"/>
+              <a:t>:</a:t>
+            </a:r>
+          </a:p>
+          <a:p>
+            <a:pPr lvl="0" eaLnBrk="0" fontAlgn="base" hangingPunct="0">
+              <a:spcBef>
+                <a:spcPct val="0"/>
+              </a:spcBef>
+              <a:spcAft>
+                <a:spcPct val="0"/>
+              </a:spcAft>
+              <a:buClrTx/>
+            </a:pPr>
+            <a:r>
+              <a:rPr lang="en-US" altLang="en-US" sz="1200" dirty="0"/>
+              <a:t>    def __</a:t>
+            </a:r>
+            <a:r>
+              <a:rPr lang="en-US" altLang="en-US" sz="1200" dirty="0" err="1"/>
+              <a:t>init</a:t>
+            </a:r>
+            <a:r>
+              <a:rPr lang="en-US" altLang="en-US" sz="1200" dirty="0"/>
+              <a:t>__(self):</a:t>
+            </a:r>
+          </a:p>
+          <a:p>
+            <a:pPr lvl="0" eaLnBrk="0" fontAlgn="base" hangingPunct="0">
+              <a:spcBef>
+                <a:spcPct val="0"/>
+              </a:spcBef>
+              <a:spcAft>
+                <a:spcPct val="0"/>
+              </a:spcAft>
+              <a:buClrTx/>
+            </a:pPr>
+            <a:r>
+              <a:rPr lang="en-US" altLang="en-US" sz="1200" dirty="0"/>
+              <a:t>        </a:t>
+            </a:r>
+            <a:r>
+              <a:rPr lang="en-US" altLang="en-US" sz="1200" dirty="0" err="1"/>
+              <a:t>self.config</a:t>
+            </a:r>
+            <a:r>
+              <a:rPr lang="en-US" altLang="en-US" sz="1200" dirty="0"/>
+              <a:t> = </a:t>
+            </a:r>
+            <a:r>
+              <a:rPr lang="en-US" altLang="en-US" sz="1200" dirty="0" err="1"/>
+              <a:t>configparser.ConfigParser</a:t>
+            </a:r>
+            <a:r>
+              <a:rPr lang="en-US" altLang="en-US" sz="1200" dirty="0"/>
+              <a:t>()</a:t>
+            </a:r>
+          </a:p>
+          <a:p>
+            <a:pPr lvl="0" eaLnBrk="0" fontAlgn="base" hangingPunct="0">
+              <a:spcBef>
+                <a:spcPct val="0"/>
+              </a:spcBef>
+              <a:spcAft>
+                <a:spcPct val="0"/>
+              </a:spcAft>
+              <a:buClrTx/>
+            </a:pPr>
+            <a:r>
+              <a:rPr lang="en-US" altLang="en-US" sz="1200" dirty="0"/>
+              <a:t>        </a:t>
+            </a:r>
+            <a:r>
+              <a:rPr lang="en-US" altLang="en-US" sz="1200" dirty="0" err="1"/>
+              <a:t>self.config.read</a:t>
+            </a:r>
+            <a:r>
+              <a:rPr lang="en-US" altLang="en-US" sz="1200" dirty="0"/>
+              <a:t>(CONFIG_FILE)</a:t>
+            </a:r>
+          </a:p>
+          <a:p>
+            <a:pPr lvl="0" eaLnBrk="0" fontAlgn="base" hangingPunct="0">
+              <a:spcBef>
+                <a:spcPct val="0"/>
+              </a:spcBef>
+              <a:spcAft>
+                <a:spcPct val="0"/>
+              </a:spcAft>
+              <a:buClrTx/>
+            </a:pPr>
+            <a:endParaRPr lang="en-US" altLang="en-US" sz="1200" dirty="0"/>
+          </a:p>
+          <a:p>
+            <a:pPr lvl="0" eaLnBrk="0" fontAlgn="base" hangingPunct="0">
+              <a:spcBef>
+                <a:spcPct val="0"/>
+              </a:spcBef>
+              <a:spcAft>
+                <a:spcPct val="0"/>
+              </a:spcAft>
+              <a:buClrTx/>
+            </a:pPr>
+            <a:r>
+              <a:rPr lang="en-US" altLang="en-US" sz="1200" dirty="0"/>
+              <a:t> def </a:t>
+            </a:r>
+            <a:r>
+              <a:rPr lang="en-US" altLang="en-US" sz="1200" dirty="0" err="1"/>
+              <a:t>generate_password</a:t>
+            </a:r>
+            <a:r>
+              <a:rPr lang="en-US" altLang="en-US" sz="1200" dirty="0"/>
+              <a:t>(self, length):</a:t>
+            </a:r>
+          </a:p>
+          <a:p>
+            <a:pPr lvl="0" eaLnBrk="0" fontAlgn="base" hangingPunct="0">
+              <a:spcBef>
+                <a:spcPct val="0"/>
+              </a:spcBef>
+              <a:spcAft>
+                <a:spcPct val="0"/>
+              </a:spcAft>
+              <a:buClrTx/>
+            </a:pPr>
+            <a:r>
+              <a:rPr lang="en-US" altLang="en-US" sz="1200" dirty="0"/>
+              <a:t>        try:</a:t>
+            </a:r>
+          </a:p>
+          <a:p>
+            <a:pPr lvl="0" eaLnBrk="0" fontAlgn="base" hangingPunct="0">
+              <a:spcBef>
+                <a:spcPct val="0"/>
+              </a:spcBef>
+              <a:spcAft>
+                <a:spcPct val="0"/>
+              </a:spcAft>
+              <a:buClrTx/>
+            </a:pPr>
+            <a:r>
+              <a:rPr lang="en-US" altLang="en-US" sz="1200" dirty="0"/>
+              <a:t>            charset = </a:t>
+            </a:r>
+            <a:r>
+              <a:rPr lang="en-US" altLang="en-US" sz="1200" dirty="0" err="1"/>
+              <a:t>string.ascii_letters</a:t>
+            </a:r>
+            <a:r>
+              <a:rPr lang="en-US" altLang="en-US" sz="1200" dirty="0"/>
+              <a:t> + </a:t>
+            </a:r>
+            <a:r>
+              <a:rPr lang="en-US" altLang="en-US" sz="1200" dirty="0" err="1"/>
+              <a:t>string.digits</a:t>
+            </a:r>
+            <a:r>
+              <a:rPr lang="en-US" altLang="en-US" sz="1200" dirty="0"/>
+              <a:t> + </a:t>
+            </a:r>
+            <a:r>
+              <a:rPr lang="en-US" altLang="en-US" sz="1200" dirty="0" err="1"/>
+              <a:t>string.punctuation</a:t>
+            </a:r>
+            <a:endParaRPr lang="en-US" altLang="en-US" sz="1200" dirty="0"/>
+          </a:p>
+          <a:p>
+            <a:pPr lvl="0" eaLnBrk="0" fontAlgn="base" hangingPunct="0">
+              <a:spcBef>
+                <a:spcPct val="0"/>
+              </a:spcBef>
+              <a:spcAft>
+                <a:spcPct val="0"/>
+              </a:spcAft>
+              <a:buClrTx/>
+            </a:pPr>
+            <a:r>
+              <a:rPr lang="en-US" altLang="en-US" sz="1200" dirty="0"/>
+              <a:t>            return ''.join(</a:t>
+            </a:r>
+            <a:r>
+              <a:rPr lang="en-US" altLang="en-US" sz="1200" dirty="0" err="1"/>
+              <a:t>random.choice</a:t>
+            </a:r>
+            <a:r>
+              <a:rPr lang="en-US" altLang="en-US" sz="1200" dirty="0"/>
+              <a:t>(charset) for _ in range(length))</a:t>
+            </a:r>
+          </a:p>
+          <a:p>
+            <a:pPr lvl="0" eaLnBrk="0" fontAlgn="base" hangingPunct="0">
+              <a:spcBef>
+                <a:spcPct val="0"/>
+              </a:spcBef>
+              <a:spcAft>
+                <a:spcPct val="0"/>
+              </a:spcAft>
+              <a:buClrTx/>
+            </a:pPr>
+            <a:r>
+              <a:rPr lang="en-US" altLang="en-US" sz="1200" dirty="0"/>
+              <a:t>        except Exception as e:</a:t>
+            </a:r>
+          </a:p>
+          <a:p>
+            <a:pPr lvl="0" eaLnBrk="0" fontAlgn="base" hangingPunct="0">
+              <a:spcBef>
+                <a:spcPct val="0"/>
+              </a:spcBef>
+              <a:spcAft>
+                <a:spcPct val="0"/>
+              </a:spcAft>
+              <a:buClrTx/>
+            </a:pPr>
+            <a:r>
+              <a:rPr lang="en-US" altLang="en-US" sz="1200" dirty="0"/>
+              <a:t>            </a:t>
+            </a:r>
+            <a:r>
+              <a:rPr lang="en-US" altLang="en-US" sz="1200" dirty="0" err="1"/>
+              <a:t>logging.error</a:t>
+            </a:r>
+            <a:r>
+              <a:rPr lang="en-US" altLang="en-US" sz="1200" dirty="0"/>
               <a:t>(</a:t>
             </a:r>
             <a:r>
-              <a:rPr kumimoji="0" lang="en-US" altLang="en-US" sz="1100" b="0" i="0" u="none" strike="noStrike" cap="none" normalizeH="0" baseline="0" dirty="0" err="1" smtClean="0">
-                <a:ln>
-                  <a:noFill/>
-                </a:ln>
-                <a:solidFill>
-                  <a:schemeClr val="tx1"/>
-                </a:solidFill>
-                <a:effectLst/>
-                <a:latin typeface="Arial Unicode MS"/>
-              </a:rPr>
-              <a:t>password_length</a:t>
-            </a:r>
-            <a:r>
-              <a:rPr kumimoji="0" lang="en-US" altLang="en-US" sz="1100" b="0" i="0" u="none" strike="noStrike" cap="none" normalizeH="0" baseline="0" dirty="0" smtClean="0">
-                <a:ln>
-                  <a:noFill/>
-                </a:ln>
-                <a:solidFill>
-                  <a:schemeClr val="tx1"/>
-                </a:solidFill>
-                <a:effectLst/>
-                <a:latin typeface="Arial Unicode MS"/>
-              </a:rPr>
-              <a:t>)</a:t>
-            </a:r>
+              <a:rPr lang="en-US" altLang="en-US" sz="1200" dirty="0" err="1"/>
+              <a:t>f"Error</a:t>
+            </a:r>
+            <a:r>
+              <a:rPr lang="en-US" altLang="en-US" sz="1200" dirty="0"/>
+              <a:t> generating password: {e}")</a:t>
+            </a:r>
+          </a:p>
+          <a:p>
+            <a:pPr lvl="0" eaLnBrk="0" fontAlgn="base" hangingPunct="0">
+              <a:spcBef>
+                <a:spcPct val="0"/>
+              </a:spcBef>
+              <a:spcAft>
+                <a:spcPct val="0"/>
+              </a:spcAft>
+              <a:buClrTx/>
+            </a:pPr>
+            <a:endParaRPr lang="en-US" altLang="en-US" sz="1100" dirty="0">
+              <a:solidFill>
+                <a:schemeClr val="tx1"/>
+              </a:solidFill>
+              <a:latin typeface="Arial Unicode MS"/>
+            </a:endParaRPr>
+          </a:p>
+          <a:p>
+            <a:pPr lvl="0" eaLnBrk="0" fontAlgn="base" hangingPunct="0">
+              <a:spcBef>
+                <a:spcPct val="0"/>
+              </a:spcBef>
+              <a:spcAft>
+                <a:spcPct val="0"/>
+              </a:spcAft>
+              <a:buClrTx/>
+            </a:pPr>
+            <a:endParaRPr lang="en-US" altLang="en-US" sz="1100" dirty="0">
+              <a:solidFill>
+                <a:schemeClr val="tx1"/>
+              </a:solidFill>
+              <a:latin typeface="Arial Unicode MS"/>
+            </a:endParaRPr>
+          </a:p>
+          <a:p>
+            <a:pPr lvl="0" eaLnBrk="0" fontAlgn="base" hangingPunct="0">
+              <a:spcBef>
+                <a:spcPct val="0"/>
+              </a:spcBef>
+              <a:spcAft>
+                <a:spcPct val="0"/>
+              </a:spcAft>
+              <a:buClrTx/>
+            </a:pPr>
+            <a:endParaRPr lang="en-US" altLang="en-US" sz="1100" dirty="0">
+              <a:solidFill>
+                <a:schemeClr val="tx1"/>
+              </a:solidFill>
+              <a:latin typeface="Arial Unicode MS"/>
+            </a:endParaRPr>
           </a:p>
           <a:p>
             <a:pPr marL="0" marR="0" lvl="0" indent="0" algn="l" defTabSz="914400" rtl="0" eaLnBrk="0" fontAlgn="base" latinLnBrk="0" hangingPunct="0">
@@ -11415,7 +11507,7 @@
               <a:buSzTx/>
               <a:tabLst/>
             </a:pPr>
-            <a:endParaRPr kumimoji="0" lang="en-US" altLang="en-US" sz="1100" b="0" i="0" u="none" strike="noStrike" cap="none" normalizeH="0" baseline="0" dirty="0" smtClean="0">
+            <a:endParaRPr kumimoji="0" lang="en-US" altLang="en-US" sz="1100" b="0" i="0" u="none" strike="noStrike" cap="none" normalizeH="0" baseline="0" dirty="0">
               <a:ln>
                 <a:noFill/>
               </a:ln>
@@ -11424,227 +11516,6 @@
               </a:solidFill>
               <a:effectLst/>
             </a:endParaRPr>
-          </a:p>
-          <a:p>
-            <a:pPr marL="0" marR="0" lvl="0" indent="0" algn="l" defTabSz="914400" rtl="0" eaLnBrk="0" fontAlgn="base" latinLnBrk="0" hangingPunct="0">
-              <a:lnSpc>
-                <a:spcPct val="100000"/>
-              </a:lnSpc>
-              <a:spcBef>
-                <a:spcPct val="0"/>
-              </a:spcBef>
-              <a:spcAft>
-                <a:spcPct val="0"/>
-              </a:spcAft>
-              <a:buClrTx/>
-              <a:buSzTx/>
-              <a:buFontTx/>
-              <a:buChar char="•"/>
-              <a:tabLst/>
-            </a:pPr>
-            <a:r>
-              <a:rPr kumimoji="0" lang="en-US" altLang="en-US" sz="1100" b="0" i="0" u="none" strike="noStrike" cap="none" normalizeH="0" baseline="0" dirty="0" smtClean="0">
-                <a:ln>
-                  <a:noFill/>
-                </a:ln>
-                <a:solidFill>
-                  <a:schemeClr val="tx1"/>
-                </a:solidFill>
-                <a:effectLst/>
-                <a:latin typeface="Arial Unicode MS"/>
-              </a:rPr>
-              <a:t>username = </a:t>
-            </a:r>
-            <a:r>
-              <a:rPr kumimoji="0" lang="en-US" altLang="en-US" sz="1100" b="0" i="0" u="none" strike="noStrike" cap="none" normalizeH="0" baseline="0" dirty="0" err="1" smtClean="0">
-                <a:ln>
-                  <a:noFill/>
-                </a:ln>
-                <a:solidFill>
-                  <a:schemeClr val="tx1"/>
-                </a:solidFill>
-                <a:effectLst/>
-                <a:latin typeface="Arial Unicode MS"/>
-              </a:rPr>
-              <a:t>self.username_input.text</a:t>
-            </a:r>
-            <a:r>
-              <a:rPr kumimoji="0" lang="en-US" altLang="en-US" sz="1100" b="0" i="0" u="none" strike="noStrike" cap="none" normalizeH="0" baseline="0" dirty="0" smtClean="0">
-                <a:ln>
-                  <a:noFill/>
-                </a:ln>
-                <a:solidFill>
-                  <a:schemeClr val="tx1"/>
-                </a:solidFill>
-                <a:effectLst/>
-                <a:latin typeface="Arial Unicode MS"/>
-              </a:rPr>
-              <a:t>() or </a:t>
-            </a:r>
-            <a:r>
-              <a:rPr kumimoji="0" lang="en-US" altLang="en-US" sz="1100" b="0" i="0" u="none" strike="noStrike" cap="none" normalizeH="0" baseline="0" dirty="0" err="1" smtClean="0">
-                <a:ln>
-                  <a:noFill/>
-                </a:ln>
-                <a:solidFill>
-                  <a:schemeClr val="tx1"/>
-                </a:solidFill>
-                <a:effectLst/>
-                <a:latin typeface="Arial Unicode MS"/>
-              </a:rPr>
-              <a:t>self.manager.generate_username</a:t>
-            </a:r>
-            <a:r>
-              <a:rPr kumimoji="0" lang="en-US" altLang="en-US" sz="1100" b="0" i="0" u="none" strike="noStrike" cap="none" normalizeH="0" baseline="0" dirty="0" smtClean="0">
-                <a:ln>
-                  <a:noFill/>
-                </a:ln>
-                <a:solidFill>
-                  <a:schemeClr val="tx1"/>
-                </a:solidFill>
-                <a:effectLst/>
-                <a:latin typeface="Arial Unicode MS"/>
-              </a:rPr>
-              <a:t>(</a:t>
-            </a:r>
-            <a:r>
-              <a:rPr kumimoji="0" lang="en-US" altLang="en-US" sz="1100" b="0" i="0" u="none" strike="noStrike" cap="none" normalizeH="0" baseline="0" dirty="0" err="1" smtClean="0">
-                <a:ln>
-                  <a:noFill/>
-                </a:ln>
-                <a:solidFill>
-                  <a:schemeClr val="tx1"/>
-                </a:solidFill>
-                <a:effectLst/>
-                <a:latin typeface="Arial Unicode MS"/>
-              </a:rPr>
-              <a:t>username_length</a:t>
-            </a:r>
-            <a:r>
-              <a:rPr kumimoji="0" lang="en-US" altLang="en-US" sz="1100" b="0" i="0" u="none" strike="noStrike" cap="none" normalizeH="0" baseline="0" dirty="0" smtClean="0">
-                <a:ln>
-                  <a:noFill/>
-                </a:ln>
-                <a:solidFill>
-                  <a:schemeClr val="tx1"/>
-                </a:solidFill>
-                <a:effectLst/>
-                <a:latin typeface="Arial Unicode MS"/>
-              </a:rPr>
-              <a:t>)</a:t>
-            </a:r>
-          </a:p>
-          <a:p>
-            <a:pPr marL="0" marR="0" lvl="0" indent="0" algn="l" defTabSz="914400" rtl="0" eaLnBrk="0" fontAlgn="base" latinLnBrk="0" hangingPunct="0">
-              <a:lnSpc>
-                <a:spcPct val="100000"/>
-              </a:lnSpc>
-              <a:spcBef>
-                <a:spcPct val="0"/>
-              </a:spcBef>
-              <a:spcAft>
-                <a:spcPct val="0"/>
-              </a:spcAft>
-              <a:buClrTx/>
-              <a:buSzTx/>
-              <a:tabLst/>
-            </a:pPr>
-            <a:endParaRPr kumimoji="0" lang="en-US" altLang="en-US" sz="1100" b="0" i="0" u="none" strike="noStrike" cap="none" normalizeH="0" baseline="0" dirty="0" smtClean="0">
-              <a:ln>
-                <a:noFill/>
-              </a:ln>
-              <a:solidFill>
-                <a:schemeClr val="tx1"/>
-              </a:solidFill>
-              <a:effectLst/>
-            </a:endParaRPr>
-          </a:p>
-          <a:p>
-            <a:pPr marL="0" marR="0" lvl="0" indent="0" algn="l" defTabSz="914400" rtl="0" eaLnBrk="0" fontAlgn="base" latinLnBrk="0" hangingPunct="0">
-              <a:lnSpc>
-                <a:spcPct val="100000"/>
-              </a:lnSpc>
-              <a:spcBef>
-                <a:spcPct val="0"/>
-              </a:spcBef>
-              <a:spcAft>
-                <a:spcPct val="0"/>
-              </a:spcAft>
-              <a:buClrTx/>
-              <a:buSzTx/>
-              <a:buFontTx/>
-              <a:buChar char="•"/>
-              <a:tabLst/>
-            </a:pPr>
-            <a:r>
-              <a:rPr kumimoji="0" lang="en-US" altLang="en-US" sz="1100" b="0" i="0" u="none" strike="noStrike" cap="none" normalizeH="0" baseline="0" dirty="0" smtClean="0">
-                <a:ln>
-                  <a:noFill/>
-                </a:ln>
-                <a:solidFill>
-                  <a:schemeClr val="tx1"/>
-                </a:solidFill>
-                <a:effectLst/>
-              </a:rPr>
-              <a:t>The password is generated using the specified length.</a:t>
-            </a:r>
-          </a:p>
-          <a:p>
-            <a:pPr marL="0" marR="0" lvl="0" indent="0" algn="l" defTabSz="914400" rtl="0" eaLnBrk="0" fontAlgn="base" latinLnBrk="0" hangingPunct="0">
-              <a:lnSpc>
-                <a:spcPct val="100000"/>
-              </a:lnSpc>
-              <a:spcBef>
-                <a:spcPct val="0"/>
-              </a:spcBef>
-              <a:spcAft>
-                <a:spcPct val="0"/>
-              </a:spcAft>
-              <a:buClrTx/>
-              <a:buSzTx/>
-              <a:tabLst/>
-            </a:pPr>
-            <a:endParaRPr kumimoji="0" lang="en-US" altLang="en-US" sz="1100" b="0" i="0" u="none" strike="noStrike" cap="none" normalizeH="0" baseline="0" dirty="0" smtClean="0">
-              <a:ln>
-                <a:noFill/>
-              </a:ln>
-              <a:solidFill>
-                <a:schemeClr val="tx1"/>
-              </a:solidFill>
-              <a:effectLst/>
-              <a:latin typeface="Arial" panose="020B0604020202020204" pitchFamily="34" charset="0"/>
-            </a:endParaRPr>
-          </a:p>
-          <a:p>
-            <a:pPr marL="0" marR="0" lvl="0" indent="0" algn="l" defTabSz="914400" rtl="0" eaLnBrk="0" fontAlgn="base" latinLnBrk="0" hangingPunct="0">
-              <a:lnSpc>
-                <a:spcPct val="100000"/>
-              </a:lnSpc>
-              <a:spcBef>
-                <a:spcPct val="0"/>
-              </a:spcBef>
-              <a:spcAft>
-                <a:spcPct val="0"/>
-              </a:spcAft>
-              <a:buClrTx/>
-              <a:buSzTx/>
-              <a:buFontTx/>
-              <a:buChar char="•"/>
-              <a:tabLst/>
-            </a:pPr>
-            <a:r>
-              <a:rPr kumimoji="0" lang="en-US" altLang="en-US" sz="1100" b="0" i="0" u="none" strike="noStrike" cap="none" normalizeH="0" baseline="0" dirty="0" smtClean="0">
-                <a:ln>
-                  <a:noFill/>
-                </a:ln>
-                <a:solidFill>
-                  <a:schemeClr val="tx1"/>
-                </a:solidFill>
-                <a:effectLst/>
-                <a:latin typeface="Arial" panose="020B0604020202020204" pitchFamily="34" charset="0"/>
-              </a:rPr>
-              <a:t>The username is taken from the input field if provided; otherwise, it is generated using the specified length. </a:t>
-            </a:r>
           </a:p>
         </p:txBody>
       </p:sp>
@@ -11658,8 +11529,8 @@
         </p:nvSpPr>
         <p:spPr bwMode="auto">
           <a:xfrm>
-            <a:off x="6190798" y="1656514"/>
-            <a:ext cx="2603403" cy="2231380"/>
+            <a:off x="6152700" y="1306351"/>
+            <a:ext cx="2679600" cy="2677656"/>
           </a:xfrm>
           <a:prstGeom prst="rect">
             <a:avLst/>
@@ -11707,10 +11578,7 @@
           </a:bodyPr>
           <a:lstStyle/>
           <a:p>
-            <a:pPr marL="0" marR="0" lvl="0" indent="0" algn="l" defTabSz="914400" rtl="0" eaLnBrk="0" fontAlgn="base" latinLnBrk="0" hangingPunct="0">
-              <a:lnSpc>
-                <a:spcPct val="100000"/>
-              </a:lnSpc>
+            <a:pPr lvl="0" eaLnBrk="0" fontAlgn="base" hangingPunct="0">
               <a:spcBef>
                 <a:spcPct val="0"/>
               </a:spcBef>
@@ -11718,56 +11586,31 @@
                 <a:spcPct val="0"/>
               </a:spcAft>
               <a:buClrTx/>
-              <a:buSzTx/>
-              <a:buFontTx/>
-              <a:buChar char="•"/>
-              <a:tabLst/>
             </a:pPr>
             <a:r>
-              <a:rPr kumimoji="0" lang="en-US" altLang="en-US" sz="1100" b="0" i="0" u="none" strike="noStrike" cap="none" normalizeH="0" baseline="0" dirty="0" smtClean="0">
-                <a:ln>
-                  <a:noFill/>
-                </a:ln>
+              <a:rPr lang="en-US" altLang="en-US" sz="1100" dirty="0">
                 <a:solidFill>
                   <a:schemeClr val="tx1"/>
                 </a:solidFill>
-                <a:effectLst/>
                 <a:latin typeface="Arial Unicode MS"/>
               </a:rPr>
-              <a:t>if </a:t>
-            </a:r>
-            <a:r>
-              <a:rPr kumimoji="0" lang="en-US" altLang="en-US" sz="1100" b="0" i="0" u="none" strike="noStrike" cap="none" normalizeH="0" baseline="0" dirty="0" err="1" smtClean="0">
-                <a:ln>
-                  <a:noFill/>
-                </a:ln>
-                <a:solidFill>
-                  <a:schemeClr val="tx1"/>
-                </a:solidFill>
-                <a:effectLst/>
-                <a:latin typeface="Arial Unicode MS"/>
-              </a:rPr>
-              <a:t>self.manager.config.has_option</a:t>
-            </a:r>
-            <a:r>
-              <a:rPr kumimoji="0" lang="en-US" altLang="en-US" sz="1100" b="0" i="0" u="none" strike="noStrike" cap="none" normalizeH="0" baseline="0" dirty="0" smtClean="0">
-                <a:ln>
-                  <a:noFill/>
-                </a:ln>
-                <a:solidFill>
-                  <a:schemeClr val="tx1"/>
-                </a:solidFill>
-                <a:effectLst/>
-                <a:latin typeface="Arial Unicode MS"/>
-              </a:rPr>
-              <a:t>('Users', username):</a:t>
-            </a:r>
-          </a:p>
-          <a:p>
-            <a:pPr marL="0" marR="0" lvl="0" indent="0" algn="l" defTabSz="914400" rtl="0" eaLnBrk="0" fontAlgn="base" latinLnBrk="0" hangingPunct="0">
-              <a:lnSpc>
-                <a:spcPct val="100000"/>
-              </a:lnSpc>
+              <a:t> </a:t>
+            </a:r>
+            <a:r>
+              <a:rPr lang="en-US" altLang="en-US" dirty="0"/>
+              <a:t>def </a:t>
+            </a:r>
+            <a:r>
+              <a:rPr lang="en-US" altLang="en-US" dirty="0" err="1"/>
+              <a:t>generate_username</a:t>
+            </a:r>
+            <a:r>
+              <a:rPr lang="en-US" altLang="en-US" dirty="0"/>
+              <a:t>(self, length):</a:t>
+            </a:r>
+          </a:p>
+          <a:p>
+            <a:pPr lvl="0" eaLnBrk="0" fontAlgn="base" hangingPunct="0">
               <a:spcBef>
                 <a:spcPct val="0"/>
               </a:spcBef>
@@ -11775,24 +11618,14 @@
                 <a:spcPct val="0"/>
               </a:spcAft>
               <a:buClrTx/>
-              <a:buSzTx/>
-              <a:tabLst/>
             </a:pPr>
-            <a:endParaRPr kumimoji="0" lang="en-US" altLang="en-US" sz="1100" b="0" i="0" u="none" strike="noStrike" cap="none" normalizeH="0" baseline="0" dirty="0" smtClean="0">
-              <a:ln>
-                <a:noFill/>
-              </a:ln>
-              <a:solidFill>
-                <a:schemeClr val="tx1"/>
-              </a:solidFill>
-              <a:effectLst/>
-            </a:endParaRPr>
-          </a:p>
-          <a:p>
-            <a:pPr marL="0" marR="0" lvl="0" indent="0" algn="l" defTabSz="914400" rtl="0" eaLnBrk="0" fontAlgn="base" latinLnBrk="0" hangingPunct="0">
-              <a:lnSpc>
-                <a:spcPct val="100000"/>
-              </a:lnSpc>
+            <a:r>
+              <a:rPr lang="en-US" altLang="en-US" dirty="0"/>
+              <a:t>        try:</a:t>
+            </a:r>
+          </a:p>
+          <a:p>
+            <a:pPr lvl="0" eaLnBrk="0" fontAlgn="base" hangingPunct="0">
               <a:spcBef>
                 <a:spcPct val="0"/>
               </a:spcBef>
@@ -11800,29 +11633,27 @@
                 <a:spcPct val="0"/>
               </a:spcAft>
               <a:buClrTx/>
-              <a:buSzTx/>
-              <a:buFontTx/>
-              <a:buChar char="•"/>
-              <a:tabLst/>
             </a:pPr>
             <a:r>
-              <a:rPr kumimoji="0" lang="en-US" altLang="en-US" sz="1100" b="0" i="0" u="none" strike="noStrike" cap="none" normalizeH="0" baseline="0" dirty="0" smtClean="0">
-                <a:ln>
-                  <a:noFill/>
-                </a:ln>
-                <a:solidFill>
-                  <a:schemeClr val="tx1"/>
-                </a:solidFill>
-                <a:effectLst/>
-              </a:rPr>
-              <a:t>The method checks if the generated or entered username already exists in the configuration file.</a:t>
-            </a:r>
-          </a:p>
-          <a:p>
-            <a:pPr marL="0" marR="0" lvl="0" indent="0" algn="l" defTabSz="914400" rtl="0" eaLnBrk="0" fontAlgn="base" latinLnBrk="0" hangingPunct="0">
-              <a:lnSpc>
-                <a:spcPct val="100000"/>
-              </a:lnSpc>
+              <a:rPr lang="en-US" altLang="en-US" dirty="0"/>
+              <a:t>            charset = </a:t>
+            </a:r>
+            <a:r>
+              <a:rPr lang="en-US" altLang="en-US" dirty="0" err="1"/>
+              <a:t>string.ascii_lowercase</a:t>
+            </a:r>
+            <a:r>
+              <a:rPr lang="en-US" altLang="en-US" dirty="0"/>
+              <a:t> + </a:t>
+            </a:r>
+            <a:r>
+              <a:rPr lang="en-US" altLang="en-US" dirty="0" err="1"/>
+              <a:t>string.digit</a:t>
+            </a:r>
+            <a:endParaRPr lang="en-US" altLang="en-US" dirty="0"/>
+          </a:p>
+          <a:p>
+            <a:pPr lvl="0" eaLnBrk="0" fontAlgn="base" hangingPunct="0">
               <a:spcBef>
                 <a:spcPct val="0"/>
               </a:spcBef>
@@ -11830,25 +11661,22 @@
                 <a:spcPct val="0"/>
               </a:spcAft>
               <a:buClrTx/>
-              <a:buSzTx/>
-              <a:tabLst/>
             </a:pPr>
-            <a:endParaRPr kumimoji="0" lang="en-US" altLang="en-US" sz="1100" b="0" i="0" u="none" strike="noStrike" cap="none" normalizeH="0" baseline="0" dirty="0" smtClean="0">
-              <a:ln>
-                <a:noFill/>
-              </a:ln>
-              <a:solidFill>
-                <a:schemeClr val="tx1"/>
-              </a:solidFill>
-              <a:effectLst/>
-              <a:latin typeface="Arial" panose="020B0604020202020204" pitchFamily="34" charset="0"/>
-            </a:endParaRPr>
-          </a:p>
-          <a:p>
-            <a:pPr marL="0" marR="0" lvl="0" indent="0" algn="l" defTabSz="914400" rtl="0" eaLnBrk="0" fontAlgn="base" latinLnBrk="0" hangingPunct="0">
-              <a:lnSpc>
-                <a:spcPct val="100000"/>
-              </a:lnSpc>
+            <a:r>
+              <a:rPr lang="en-US" altLang="en-US" dirty="0"/>
+              <a:t>            return ''.join(</a:t>
+            </a:r>
+            <a:r>
+              <a:rPr lang="en-US" altLang="en-US" dirty="0" err="1"/>
+              <a:t>random.choices</a:t>
+            </a:r>
+            <a:r>
+              <a:rPr lang="en-US" altLang="en-US" dirty="0"/>
+              <a:t>(charset, k=length))</a:t>
+            </a:r>
+          </a:p>
+          <a:p>
+            <a:pPr lvl="0" eaLnBrk="0" fontAlgn="base" hangingPunct="0">
               <a:spcBef>
                 <a:spcPct val="0"/>
               </a:spcBef>
@@ -11856,30 +11684,14 @@
                 <a:spcPct val="0"/>
               </a:spcAft>
               <a:buClrTx/>
-              <a:buSzTx/>
-              <a:buFontTx/>
-              <a:buChar char="•"/>
-              <a:tabLst/>
             </a:pPr>
             <a:r>
-              <a:rPr kumimoji="0" lang="en-US" altLang="en-US" sz="1100" b="0" i="0" u="none" strike="noStrike" cap="none" normalizeH="0" baseline="0" dirty="0" smtClean="0">
-                <a:ln>
-                  <a:noFill/>
-                </a:ln>
-                <a:solidFill>
-                  <a:schemeClr val="tx1"/>
-                </a:solidFill>
-                <a:effectLst/>
-                <a:latin typeface="Arial" panose="020B0604020202020204" pitchFamily="34" charset="0"/>
-              </a:rPr>
-              <a:t>If the username exists, an error message is shown, and the method exits early.</a:t>
-            </a:r>
-          </a:p>
-          <a:p>
-            <a:pPr marL="0" marR="0" lvl="0" indent="0" algn="l" defTabSz="914400" rtl="0" eaLnBrk="0" fontAlgn="base" latinLnBrk="0" hangingPunct="0">
-              <a:lnSpc>
-                <a:spcPct val="100000"/>
-              </a:lnSpc>
+              <a:rPr lang="en-US" altLang="en-US" dirty="0"/>
+              <a:t>        except Exception as e:</a:t>
+            </a:r>
+          </a:p>
+          <a:p>
+            <a:pPr lvl="0" eaLnBrk="0" fontAlgn="base" hangingPunct="0">
               <a:spcBef>
                 <a:spcPct val="0"/>
               </a:spcBef>
@@ -11887,21 +11699,27 @@
                 <a:spcPct val="0"/>
               </a:spcAft>
               <a:buClrTx/>
-              <a:buSzTx/>
-              <a:buFontTx/>
-              <a:buNone/>
-              <a:tabLst/>
             </a:pPr>
-            <a:endParaRPr kumimoji="0" lang="en-US" altLang="en-US" sz="1800" b="0" i="0" u="none" strike="noStrike" cap="none" normalizeH="0" baseline="0" dirty="0" smtClean="0">
-              <a:ln>
-                <a:noFill/>
-              </a:ln>
-              <a:solidFill>
-                <a:schemeClr val="tx1"/>
-              </a:solidFill>
-              <a:effectLst/>
-              <a:latin typeface="Arial" panose="020B0604020202020204" pitchFamily="34" charset="0"/>
-            </a:endParaRPr>
+            <a:r>
+              <a:rPr lang="en-US" altLang="en-US" dirty="0"/>
+              <a:t>            </a:t>
+            </a:r>
+            <a:r>
+              <a:rPr lang="en-US" altLang="en-US" dirty="0" err="1"/>
+              <a:t>logging.error</a:t>
+            </a:r>
+            <a:r>
+              <a:rPr lang="en-US" altLang="en-US" dirty="0"/>
+              <a:t>(</a:t>
+            </a:r>
+            <a:r>
+              <a:rPr lang="en-US" altLang="en-US" dirty="0" err="1"/>
+              <a:t>f"Error</a:t>
+            </a:r>
+            <a:r>
+              <a:rPr lang="en-US" altLang="en-US" dirty="0"/>
+              <a:t> generating username: {e}")</a:t>
+            </a:r>
           </a:p>
         </p:txBody>
       </p:sp>
@@ -11915,13 +11733,6 @@
   <p:clrMapOvr>
     <a:masterClrMapping/>
   </p:clrMapOvr>
-  <p:timing>
-    <p:tnLst>
-      <p:par>
-        <p:cTn id="1" dur="indefinite" restart="never" nodeType="tmRoot"/>
-      </p:par>
-    </p:tnLst>
-  </p:timing>
 </p:sld>
 </file>
 
@@ -12014,7 +11825,7 @@
         </p:nvSpPr>
         <p:spPr>
           <a:xfrm>
-            <a:off x="101390" y="934684"/>
+            <a:off x="438274" y="934684"/>
             <a:ext cx="2908092" cy="3657300"/>
           </a:xfrm>
           <a:prstGeom prst="rect">
@@ -12038,11 +11849,7 @@
             </a:pPr>
             <a:r>
               <a:rPr lang="en-US" b="1" dirty="0"/>
-              <a:t>Update UI </a:t>
-            </a:r>
-            <a:r>
-              <a:rPr lang="en-US" b="1" dirty="0" smtClean="0"/>
-              <a:t>Elements</a:t>
+              <a:t>PasswordStrengthWidget.py</a:t>
             </a:r>
           </a:p>
           <a:p>
@@ -12065,7 +11872,7 @@
         </p:nvSpPr>
         <p:spPr>
           <a:xfrm>
-            <a:off x="3351439" y="915600"/>
+            <a:off x="5099632" y="875046"/>
             <a:ext cx="2813461" cy="3657300"/>
           </a:xfrm>
           <a:prstGeom prst="rect">
@@ -12090,11 +11897,7 @@
             </a:pPr>
             <a:r>
               <a:rPr lang="en-US" b="1" dirty="0"/>
-              <a:t>Display Password </a:t>
-            </a:r>
-            <a:r>
-              <a:rPr lang="en-US" b="1" dirty="0" smtClean="0"/>
-              <a:t>Strength</a:t>
+              <a:t>SaveCredentials.py</a:t>
             </a:r>
           </a:p>
           <a:p>
@@ -12184,7 +11987,7 @@
         </p:blipFill>
         <p:spPr>
           <a:xfrm>
-            <a:off x="2585515" y="4157593"/>
+            <a:off x="2922893" y="4157593"/>
             <a:ext cx="423473" cy="429326"/>
           </a:xfrm>
           <a:prstGeom prst="rect">
@@ -12217,7 +12020,7 @@
         </p:blipFill>
         <p:spPr>
           <a:xfrm>
-            <a:off x="5689621" y="4118341"/>
+            <a:off x="7472830" y="4102162"/>
             <a:ext cx="538965" cy="423474"/>
           </a:xfrm>
           <a:prstGeom prst="rect">
@@ -12239,8 +12042,8 @@
         </p:nvSpPr>
         <p:spPr bwMode="auto">
           <a:xfrm>
-            <a:off x="59775" y="1433503"/>
-            <a:ext cx="2899465" cy="1554272"/>
+            <a:off x="437780" y="1232922"/>
+            <a:ext cx="2963100" cy="2677656"/>
           </a:xfrm>
           <a:prstGeom prst="rect">
             <a:avLst/>
@@ -12288,10 +12091,7 @@
           </a:bodyPr>
           <a:lstStyle/>
           <a:p>
-            <a:pPr marL="0" marR="0" lvl="0" indent="0" algn="l" defTabSz="914400" rtl="0" eaLnBrk="0" fontAlgn="base" latinLnBrk="0" hangingPunct="0">
-              <a:lnSpc>
-                <a:spcPct val="100000"/>
-              </a:lnSpc>
+            <a:pPr lvl="0" eaLnBrk="0" fontAlgn="base" hangingPunct="0">
               <a:spcBef>
                 <a:spcPct val="0"/>
               </a:spcBef>
@@ -12299,43 +12099,22 @@
                 <a:spcPct val="0"/>
               </a:spcAft>
               <a:buClrTx/>
-              <a:buSzTx/>
-              <a:buFontTx/>
-              <a:buChar char="•"/>
-              <a:tabLst/>
             </a:pPr>
             <a:r>
-              <a:rPr kumimoji="0" lang="en-US" altLang="en-US" sz="1100" b="0" i="0" u="none" strike="noStrike" cap="none" normalizeH="0" baseline="0" dirty="0" err="1" smtClean="0">
-                <a:ln>
-                  <a:noFill/>
-                </a:ln>
-                <a:solidFill>
-                  <a:schemeClr val="tx1"/>
-                </a:solidFill>
-                <a:effectLst/>
-                <a:latin typeface="Arial Unicode MS"/>
-              </a:rPr>
-              <a:t>self.username_entry.setText</a:t>
-            </a:r>
-            <a:r>
-              <a:rPr kumimoji="0" lang="en-US" altLang="en-US" sz="1100" b="0" i="0" u="none" strike="noStrike" cap="none" normalizeH="0" baseline="0" dirty="0" smtClean="0">
-                <a:ln>
-                  <a:noFill/>
-                </a:ln>
-                <a:solidFill>
-                  <a:schemeClr val="tx1"/>
-                </a:solidFill>
-                <a:effectLst/>
-                <a:latin typeface="Arial Unicode MS"/>
-              </a:rPr>
-              <a:t>(username)</a:t>
-            </a:r>
-          </a:p>
-          <a:p>
-            <a:pPr marL="0" marR="0" lvl="0" indent="0" algn="l" defTabSz="914400" rtl="0" eaLnBrk="0" fontAlgn="base" latinLnBrk="0" hangingPunct="0">
-              <a:lnSpc>
-                <a:spcPct val="100000"/>
-              </a:lnSpc>
+              <a:rPr lang="en-US" altLang="en-US" sz="1200" dirty="0"/>
+              <a:t>def </a:t>
+            </a:r>
+            <a:r>
+              <a:rPr lang="en-US" altLang="en-US" sz="1200" dirty="0" err="1"/>
+              <a:t>evaluate_password_strength</a:t>
+            </a:r>
+            <a:r>
+              <a:rPr lang="en-US" altLang="en-US" sz="1200" dirty="0"/>
+              <a:t>(self, password):</a:t>
+            </a:r>
+          </a:p>
+          <a:p>
+            <a:pPr lvl="0" eaLnBrk="0" fontAlgn="base" hangingPunct="0">
               <a:spcBef>
                 <a:spcPct val="0"/>
               </a:spcBef>
@@ -12343,24 +12122,22 @@
                 <a:spcPct val="0"/>
               </a:spcAft>
               <a:buClrTx/>
-              <a:buSzTx/>
-              <a:tabLst/>
             </a:pPr>
-            <a:endParaRPr kumimoji="0" lang="en-US" altLang="en-US" sz="1100" b="0" i="0" u="none" strike="noStrike" cap="none" normalizeH="0" baseline="0" dirty="0" smtClean="0">
-              <a:ln>
-                <a:noFill/>
-              </a:ln>
-              <a:solidFill>
-                <a:schemeClr val="tx1"/>
-              </a:solidFill>
-              <a:effectLst/>
-            </a:endParaRPr>
-          </a:p>
-          <a:p>
-            <a:pPr marL="0" marR="0" lvl="0" indent="0" algn="l" defTabSz="914400" rtl="0" eaLnBrk="0" fontAlgn="base" latinLnBrk="0" hangingPunct="0">
-              <a:lnSpc>
-                <a:spcPct val="100000"/>
-              </a:lnSpc>
+            <a:r>
+              <a:rPr lang="en-US" altLang="en-US" sz="1200" dirty="0"/>
+              <a:t>        if </a:t>
+            </a:r>
+            <a:r>
+              <a:rPr lang="en-US" altLang="en-US" sz="1200" dirty="0" err="1"/>
+              <a:t>len</a:t>
+            </a:r>
+            <a:r>
+              <a:rPr lang="en-US" altLang="en-US" sz="1200" dirty="0"/>
+              <a:t>(password) &lt; 6:</a:t>
+            </a:r>
+          </a:p>
+          <a:p>
+            <a:pPr lvl="0" eaLnBrk="0" fontAlgn="base" hangingPunct="0">
               <a:spcBef>
                 <a:spcPct val="0"/>
               </a:spcBef>
@@ -12368,43 +12145,14 @@
                 <a:spcPct val="0"/>
               </a:spcAft>
               <a:buClrTx/>
-              <a:buSzTx/>
-              <a:buFontTx/>
-              <a:buChar char="•"/>
-              <a:tabLst/>
             </a:pPr>
             <a:r>
-              <a:rPr kumimoji="0" lang="en-US" altLang="en-US" sz="1100" b="0" i="0" u="none" strike="noStrike" cap="none" normalizeH="0" baseline="0" dirty="0" err="1" smtClean="0">
-                <a:ln>
-                  <a:noFill/>
-                </a:ln>
-                <a:solidFill>
-                  <a:schemeClr val="tx1"/>
-                </a:solidFill>
-                <a:effectLst/>
-                <a:latin typeface="Arial Unicode MS"/>
-              </a:rPr>
-              <a:t>self.password_entry.setText</a:t>
-            </a:r>
-            <a:r>
-              <a:rPr kumimoji="0" lang="en-US" altLang="en-US" sz="1100" b="0" i="0" u="none" strike="noStrike" cap="none" normalizeH="0" baseline="0" dirty="0" smtClean="0">
-                <a:ln>
-                  <a:noFill/>
-                </a:ln>
-                <a:solidFill>
-                  <a:schemeClr val="tx1"/>
-                </a:solidFill>
-                <a:effectLst/>
-                <a:latin typeface="Arial Unicode MS"/>
-              </a:rPr>
-              <a:t>(password)</a:t>
-            </a:r>
-          </a:p>
-          <a:p>
-            <a:pPr marL="0" marR="0" lvl="0" indent="0" algn="l" defTabSz="914400" rtl="0" eaLnBrk="0" fontAlgn="base" latinLnBrk="0" hangingPunct="0">
-              <a:lnSpc>
-                <a:spcPct val="100000"/>
-              </a:lnSpc>
+              <a:rPr lang="en-US" altLang="en-US" sz="1200" dirty="0"/>
+              <a:t>            return 0, "Too short"</a:t>
+            </a:r>
+          </a:p>
+          <a:p>
+            <a:pPr lvl="0" eaLnBrk="0" fontAlgn="base" hangingPunct="0">
               <a:spcBef>
                 <a:spcPct val="0"/>
               </a:spcBef>
@@ -12412,24 +12160,46 @@
                 <a:spcPct val="0"/>
               </a:spcAft>
               <a:buClrTx/>
-              <a:buSzTx/>
-              <a:tabLst/>
             </a:pPr>
-            <a:endParaRPr kumimoji="0" lang="en-US" altLang="en-US" sz="1100" b="0" i="0" u="none" strike="noStrike" cap="none" normalizeH="0" baseline="0" dirty="0" smtClean="0">
-              <a:ln>
-                <a:noFill/>
-              </a:ln>
-              <a:solidFill>
-                <a:schemeClr val="tx1"/>
-              </a:solidFill>
-              <a:effectLst/>
-            </a:endParaRPr>
-          </a:p>
-          <a:p>
-            <a:pPr marL="0" marR="0" lvl="0" indent="0" algn="l" defTabSz="914400" rtl="0" eaLnBrk="0" fontAlgn="base" latinLnBrk="0" hangingPunct="0">
-              <a:lnSpc>
-                <a:spcPct val="100000"/>
-              </a:lnSpc>
+            <a:r>
+              <a:rPr lang="en-US" altLang="en-US" sz="1200" dirty="0"/>
+              <a:t>        strength = sum([any(c in group for c in password) for group in (</a:t>
+            </a:r>
+            <a:r>
+              <a:rPr lang="en-US" altLang="en-US" sz="1200" dirty="0" err="1"/>
+              <a:t>string.ascii_lowercase</a:t>
+            </a:r>
+            <a:r>
+              <a:rPr lang="en-US" altLang="en-US" sz="1200" dirty="0"/>
+              <a:t>, </a:t>
+            </a:r>
+            <a:r>
+              <a:rPr lang="en-US" altLang="en-US" sz="1200" dirty="0" err="1"/>
+              <a:t>string.ascii_uppercase</a:t>
+            </a:r>
+            <a:r>
+              <a:rPr lang="en-US" altLang="en-US" sz="1200" dirty="0"/>
+              <a:t>, </a:t>
+            </a:r>
+            <a:r>
+              <a:rPr lang="en-US" altLang="en-US" sz="1200" dirty="0" err="1"/>
+              <a:t>string.digits</a:t>
+            </a:r>
+            <a:r>
+              <a:rPr lang="en-US" altLang="en-US" sz="1200" dirty="0"/>
+              <a:t>, </a:t>
+            </a:r>
+            <a:r>
+              <a:rPr lang="en-US" altLang="en-US" sz="1200" dirty="0" err="1"/>
+              <a:t>string.punctuation</a:t>
+            </a:r>
+            <a:r>
+              <a:rPr lang="en-US" altLang="en-US" sz="1200" dirty="0"/>
+              <a:t>)])</a:t>
+            </a:r>
+          </a:p>
+          <a:p>
+            <a:pPr lvl="0" eaLnBrk="0" fontAlgn="base" hangingPunct="0">
               <a:spcBef>
                 <a:spcPct val="0"/>
               </a:spcBef>
@@ -12437,51 +12207,22 @@
                 <a:spcPct val="0"/>
               </a:spcAft>
               <a:buClrTx/>
-              <a:buSzTx/>
-              <a:buFontTx/>
-              <a:buChar char="•"/>
-              <a:tabLst/>
             </a:pPr>
             <a:r>
-              <a:rPr kumimoji="0" lang="en-US" altLang="en-US" sz="1100" b="0" i="0" u="none" strike="noStrike" cap="none" normalizeH="0" baseline="0" dirty="0" smtClean="0">
-                <a:ln>
-                  <a:noFill/>
-                </a:ln>
-                <a:solidFill>
-                  <a:schemeClr val="tx1"/>
-                </a:solidFill>
-                <a:effectLst/>
-              </a:rPr>
-              <a:t>The generated username and password are displayed in their respective text fields in the UI</a:t>
-            </a:r>
-            <a:r>
-              <a:rPr kumimoji="0" lang="en-US" altLang="en-US" sz="500" b="0" i="0" u="none" strike="noStrike" cap="none" normalizeH="0" baseline="0" dirty="0" smtClean="0">
-                <a:ln>
-                  <a:noFill/>
-                </a:ln>
-                <a:solidFill>
-                  <a:schemeClr val="tx1"/>
-                </a:solidFill>
-                <a:effectLst/>
-              </a:rPr>
-              <a:t>.</a:t>
-            </a:r>
-            <a:endParaRPr kumimoji="0" lang="en-US" altLang="en-US" sz="1800" b="0" i="0" u="none" strike="noStrike" cap="none" normalizeH="0" baseline="0" dirty="0" smtClean="0">
-              <a:ln>
-                <a:noFill/>
-              </a:ln>
-              <a:solidFill>
-                <a:schemeClr val="tx1"/>
-              </a:solidFill>
-              <a:effectLst/>
-              <a:latin typeface="Arial" panose="020B0604020202020204" pitchFamily="34" charset="0"/>
-            </a:endParaRPr>
-          </a:p>
-          <a:p>
-            <a:pPr marL="0" marR="0" lvl="0" indent="0" algn="l" defTabSz="914400" rtl="0" eaLnBrk="0" fontAlgn="base" latinLnBrk="0" hangingPunct="0">
-              <a:lnSpc>
-                <a:spcPct val="100000"/>
-              </a:lnSpc>
+              <a:rPr lang="en-US" altLang="en-US" sz="1200" dirty="0"/>
+              <a:t>        </a:t>
+            </a:r>
+            <a:r>
+              <a:rPr lang="en-US" altLang="en-US" sz="1200" dirty="0" err="1"/>
+              <a:t>strength_names</a:t>
+            </a:r>
+            <a:r>
+              <a:rPr lang="en-US" altLang="en-US" sz="1200" dirty="0"/>
+              <a:t> = {1: "Weak", 2: "Moderate", 3: "Strong", 4: "Very Strong"}</a:t>
+            </a:r>
+          </a:p>
+          <a:p>
+            <a:pPr lvl="0" eaLnBrk="0" fontAlgn="base" hangingPunct="0">
               <a:spcBef>
                 <a:spcPct val="0"/>
               </a:spcBef>
@@ -12489,21 +12230,19 @@
                 <a:spcPct val="0"/>
               </a:spcAft>
               <a:buClrTx/>
-              <a:buSzTx/>
-              <a:buFontTx/>
-              <a:buNone/>
-              <a:tabLst/>
             </a:pPr>
-            <a:endParaRPr kumimoji="0" lang="en-US" altLang="en-US" sz="1800" b="0" i="0" u="none" strike="noStrike" cap="none" normalizeH="0" baseline="0" dirty="0" smtClean="0">
-              <a:ln>
-                <a:noFill/>
-              </a:ln>
-              <a:solidFill>
-                <a:schemeClr val="tx1"/>
-              </a:solidFill>
-              <a:effectLst/>
-              <a:latin typeface="Arial" panose="020B0604020202020204" pitchFamily="34" charset="0"/>
-            </a:endParaRPr>
+            <a:r>
+              <a:rPr lang="en-US" altLang="en-US" sz="1200" dirty="0"/>
+              <a:t>        return strength, </a:t>
+            </a:r>
+            <a:r>
+              <a:rPr lang="en-US" altLang="en-US" sz="1200" dirty="0" err="1"/>
+              <a:t>strength_names.get</a:t>
+            </a:r>
+            <a:r>
+              <a:rPr lang="en-US" altLang="en-US" sz="1200" dirty="0"/>
+              <a:t>(strength, "Unknown")</a:t>
+            </a:r>
           </a:p>
         </p:txBody>
       </p:sp>
@@ -12517,8 +12256,8 @@
         </p:nvSpPr>
         <p:spPr bwMode="auto">
           <a:xfrm>
-            <a:off x="3431733" y="1518141"/>
-            <a:ext cx="2677665" cy="1107996"/>
+            <a:off x="5099632" y="1170599"/>
+            <a:ext cx="2813955" cy="3416320"/>
           </a:xfrm>
           <a:prstGeom prst="rect">
             <a:avLst/>
@@ -12566,10 +12305,7 @@
           </a:bodyPr>
           <a:lstStyle/>
           <a:p>
-            <a:pPr marL="0" marR="0" lvl="0" indent="0" algn="l" defTabSz="914400" rtl="0" eaLnBrk="0" fontAlgn="base" latinLnBrk="0" hangingPunct="0">
-              <a:lnSpc>
-                <a:spcPct val="100000"/>
-              </a:lnSpc>
+            <a:pPr lvl="0" eaLnBrk="0" fontAlgn="base" hangingPunct="0">
               <a:spcBef>
                 <a:spcPct val="0"/>
               </a:spcBef>
@@ -12577,95 +12313,169 @@
                 <a:spcPct val="0"/>
               </a:spcAft>
               <a:buClrTx/>
-              <a:buSzTx/>
-              <a:buFontTx/>
-              <a:buChar char="•"/>
-              <a:tabLst/>
             </a:pPr>
             <a:r>
-              <a:rPr kumimoji="0" lang="en-US" altLang="en-US" sz="1100" b="0" i="0" u="none" strike="noStrike" cap="none" normalizeH="0" baseline="0" dirty="0" err="1" smtClean="0">
-                <a:ln>
-                  <a:noFill/>
-                </a:ln>
+              <a:rPr lang="en-US" altLang="en-US" sz="1100" dirty="0">
                 <a:solidFill>
                   <a:schemeClr val="tx1"/>
                 </a:solidFill>
-                <a:effectLst/>
                 <a:latin typeface="Arial Unicode MS"/>
               </a:rPr>
-              <a:t>self.strength_widget.set_strength</a:t>
-            </a:r>
-            <a:r>
-              <a:rPr kumimoji="0" lang="en-US" altLang="en-US" sz="1100" b="0" i="0" u="none" strike="noStrike" cap="none" normalizeH="0" baseline="0" dirty="0" smtClean="0">
-                <a:ln>
-                  <a:noFill/>
-                </a:ln>
-                <a:solidFill>
-                  <a:schemeClr val="tx1"/>
-                </a:solidFill>
-                <a:effectLst/>
-                <a:latin typeface="Arial Unicode MS"/>
-              </a:rPr>
+              <a:t> </a:t>
+            </a:r>
+            <a:r>
+              <a:rPr lang="en-US" altLang="en-US" sz="1200" dirty="0"/>
+              <a:t>def </a:t>
+            </a:r>
+            <a:r>
+              <a:rPr lang="en-US" altLang="en-US" sz="1200" dirty="0" err="1"/>
+              <a:t>save_credentials</a:t>
+            </a:r>
+            <a:r>
+              <a:rPr lang="en-US" altLang="en-US" sz="1200" dirty="0"/>
+              <a:t>(self, username, password):</a:t>
+            </a:r>
+          </a:p>
+          <a:p>
+            <a:pPr lvl="0" eaLnBrk="0" fontAlgn="base" hangingPunct="0">
+              <a:spcBef>
+                <a:spcPct val="0"/>
+              </a:spcBef>
+              <a:spcAft>
+                <a:spcPct val="0"/>
+              </a:spcAft>
+              <a:buClrTx/>
+            </a:pPr>
+            <a:r>
+              <a:rPr lang="en-US" altLang="en-US" sz="1200" dirty="0"/>
+              <a:t>        try:</a:t>
+            </a:r>
+          </a:p>
+          <a:p>
+            <a:pPr lvl="0" eaLnBrk="0" fontAlgn="base" hangingPunct="0">
+              <a:spcBef>
+                <a:spcPct val="0"/>
+              </a:spcBef>
+              <a:spcAft>
+                <a:spcPct val="0"/>
+              </a:spcAft>
+              <a:buClrTx/>
+            </a:pPr>
+            <a:r>
+              <a:rPr lang="en-US" altLang="en-US" sz="1200" dirty="0"/>
+              <a:t>            if not </a:t>
+            </a:r>
+            <a:r>
+              <a:rPr lang="en-US" altLang="en-US" sz="1200" dirty="0" err="1"/>
+              <a:t>self.config.has_section</a:t>
+            </a:r>
+            <a:r>
+              <a:rPr lang="en-US" altLang="en-US" sz="1200" dirty="0"/>
+              <a:t>('Users'):</a:t>
+            </a:r>
+          </a:p>
+          <a:p>
+            <a:pPr lvl="0" eaLnBrk="0" fontAlgn="base" hangingPunct="0">
+              <a:spcBef>
+                <a:spcPct val="0"/>
+              </a:spcBef>
+              <a:spcAft>
+                <a:spcPct val="0"/>
+              </a:spcAft>
+              <a:buClrTx/>
+            </a:pPr>
+            <a:r>
+              <a:rPr lang="en-US" altLang="en-US" sz="1200" dirty="0"/>
+              <a:t>                </a:t>
+            </a:r>
+            <a:r>
+              <a:rPr lang="en-US" altLang="en-US" sz="1200" dirty="0" err="1"/>
+              <a:t>self.config.add_section</a:t>
+            </a:r>
+            <a:r>
+              <a:rPr lang="en-US" altLang="en-US" sz="1200" dirty="0"/>
+              <a:t>('Users')</a:t>
+            </a:r>
+          </a:p>
+          <a:p>
+            <a:pPr lvl="0" eaLnBrk="0" fontAlgn="base" hangingPunct="0">
+              <a:spcBef>
+                <a:spcPct val="0"/>
+              </a:spcBef>
+              <a:spcAft>
+                <a:spcPct val="0"/>
+              </a:spcAft>
+              <a:buClrTx/>
+            </a:pPr>
+            <a:r>
+              <a:rPr lang="en-US" altLang="en-US" sz="1200" dirty="0"/>
+              <a:t>            </a:t>
+            </a:r>
+            <a:r>
+              <a:rPr lang="en-US" altLang="en-US" sz="1200" dirty="0" err="1"/>
+              <a:t>self.config.set</a:t>
+            </a:r>
+            <a:r>
+              <a:rPr lang="en-US" altLang="en-US" sz="1200" dirty="0"/>
+              <a:t>('Users', username, password)</a:t>
+            </a:r>
+          </a:p>
+          <a:p>
+            <a:pPr lvl="0" eaLnBrk="0" fontAlgn="base" hangingPunct="0">
+              <a:spcBef>
+                <a:spcPct val="0"/>
+              </a:spcBef>
+              <a:spcAft>
+                <a:spcPct val="0"/>
+              </a:spcAft>
+              <a:buClrTx/>
+            </a:pPr>
+            <a:r>
+              <a:rPr lang="en-US" altLang="en-US" sz="1200" dirty="0"/>
+              <a:t>            with open(CONFIG_FILE, 'w') as </a:t>
+            </a:r>
+            <a:r>
+              <a:rPr lang="en-US" altLang="en-US" sz="1200" dirty="0" err="1"/>
+              <a:t>configfile</a:t>
+            </a:r>
+            <a:r>
+              <a:rPr lang="en-US" altLang="en-US" sz="1200" dirty="0"/>
+              <a:t>:</a:t>
+            </a:r>
+          </a:p>
+          <a:p>
+            <a:pPr lvl="0" eaLnBrk="0" fontAlgn="base" hangingPunct="0">
+              <a:spcBef>
+                <a:spcPct val="0"/>
+              </a:spcBef>
+              <a:spcAft>
+                <a:spcPct val="0"/>
+              </a:spcAft>
+              <a:buClrTx/>
+            </a:pPr>
+            <a:r>
+              <a:rPr lang="en-US" altLang="en-US" sz="1200" dirty="0"/>
+              <a:t>                </a:t>
+            </a:r>
+            <a:r>
+              <a:rPr lang="en-US" altLang="en-US" sz="1200" dirty="0" err="1"/>
+              <a:t>self.config.write</a:t>
+            </a:r>
+            <a:r>
+              <a:rPr lang="en-US" altLang="en-US" sz="1200" dirty="0"/>
               <a:t>(</a:t>
             </a:r>
             <a:r>
-              <a:rPr kumimoji="0" lang="en-US" altLang="en-US" sz="1100" b="0" i="0" u="none" strike="noStrike" cap="none" normalizeH="0" baseline="0" dirty="0" err="1" smtClean="0">
-                <a:ln>
-                  <a:noFill/>
-                </a:ln>
-                <a:solidFill>
-                  <a:schemeClr val="tx1"/>
-                </a:solidFill>
-                <a:effectLst/>
-                <a:latin typeface="Arial Unicode MS"/>
-              </a:rPr>
-              <a:t>strength_value</a:t>
-            </a:r>
-            <a:r>
-              <a:rPr kumimoji="0" lang="en-US" altLang="en-US" sz="1100" b="0" i="0" u="none" strike="noStrike" cap="none" normalizeH="0" baseline="0" dirty="0" smtClean="0">
-                <a:ln>
-                  <a:noFill/>
-                </a:ln>
-                <a:solidFill>
-                  <a:schemeClr val="tx1"/>
-                </a:solidFill>
-                <a:effectLst/>
-                <a:latin typeface="Arial Unicode MS"/>
-              </a:rPr>
-              <a:t>, </a:t>
-            </a:r>
-            <a:r>
-              <a:rPr kumimoji="0" lang="en-US" altLang="en-US" sz="1100" b="0" i="0" u="none" strike="noStrike" cap="none" normalizeH="0" baseline="0" dirty="0" err="1" smtClean="0">
-                <a:ln>
-                  <a:noFill/>
-                </a:ln>
-                <a:solidFill>
-                  <a:schemeClr val="tx1"/>
-                </a:solidFill>
-                <a:effectLst/>
-                <a:latin typeface="Arial Unicode MS"/>
-              </a:rPr>
-              <a:t>strength_name</a:t>
-            </a:r>
-            <a:r>
-              <a:rPr kumimoji="0" lang="en-US" altLang="en-US" sz="1100" b="0" i="0" u="none" strike="noStrike" cap="none" normalizeH="0" baseline="0" dirty="0" smtClean="0">
-                <a:ln>
-                  <a:noFill/>
-                </a:ln>
-                <a:solidFill>
-                  <a:schemeClr val="tx1"/>
-                </a:solidFill>
-                <a:effectLst/>
-                <a:latin typeface="Arial Unicode MS"/>
-              </a:rPr>
+              <a:rPr lang="en-US" altLang="en-US" sz="1200" dirty="0" err="1"/>
+              <a:t>configfile</a:t>
+            </a:r>
+            <a:r>
+              <a:rPr lang="en-US" altLang="en-US" sz="1200" dirty="0"/>
               <a:t>)</a:t>
             </a:r>
           </a:p>
           <a:p>
-            <a:pPr marL="0" marR="0" lvl="0" indent="0" algn="l" defTabSz="914400" rtl="0" eaLnBrk="0" fontAlgn="base" latinLnBrk="0" hangingPunct="0">
-              <a:lnSpc>
-                <a:spcPct val="100000"/>
-              </a:lnSpc>
+            <a:pPr lvl="0" eaLnBrk="0" fontAlgn="base" hangingPunct="0">
               <a:spcBef>
                 <a:spcPct val="0"/>
               </a:spcBef>
@@ -12673,24 +12483,22 @@
                 <a:spcPct val="0"/>
               </a:spcAft>
               <a:buClrTx/>
-              <a:buSzTx/>
-              <a:tabLst/>
             </a:pPr>
-            <a:endParaRPr kumimoji="0" lang="en-US" altLang="en-US" sz="1100" b="0" i="0" u="none" strike="noStrike" cap="none" normalizeH="0" baseline="0" dirty="0" smtClean="0">
-              <a:ln>
-                <a:noFill/>
-              </a:ln>
-              <a:solidFill>
-                <a:schemeClr val="tx1"/>
-              </a:solidFill>
-              <a:effectLst/>
-            </a:endParaRPr>
-          </a:p>
-          <a:p>
-            <a:pPr marL="0" marR="0" lvl="0" indent="0" algn="l" defTabSz="914400" rtl="0" eaLnBrk="0" fontAlgn="base" latinLnBrk="0" hangingPunct="0">
-              <a:lnSpc>
-                <a:spcPct val="100000"/>
-              </a:lnSpc>
+            <a:r>
+              <a:rPr lang="en-US" altLang="en-US" sz="1200" dirty="0"/>
+              <a:t>            </a:t>
+            </a:r>
+            <a:r>
+              <a:rPr lang="en-US" altLang="en-US" sz="1200" dirty="0" err="1"/>
+              <a:t>self.show_message</a:t>
+            </a:r>
+            <a:r>
+              <a:rPr lang="en-US" altLang="en-US" sz="1200" dirty="0"/>
+              <a:t>("Saved", "Username and password saved successfully.")</a:t>
+            </a:r>
+          </a:p>
+          <a:p>
+            <a:pPr lvl="0" eaLnBrk="0" fontAlgn="base" hangingPunct="0">
               <a:spcBef>
                 <a:spcPct val="0"/>
               </a:spcBef>
@@ -12698,415 +12506,45 @@
                 <a:spcPct val="0"/>
               </a:spcAft>
               <a:buClrTx/>
-              <a:buSzTx/>
-              <a:buFontTx/>
-              <a:buChar char="•"/>
-              <a:tabLst/>
             </a:pPr>
             <a:r>
-              <a:rPr kumimoji="0" lang="en-US" altLang="en-US" sz="1100" b="0" i="0" u="none" strike="noStrike" cap="none" normalizeH="0" baseline="0" dirty="0" smtClean="0">
-                <a:ln>
-                  <a:noFill/>
-                </a:ln>
-                <a:solidFill>
-                  <a:schemeClr val="tx1"/>
-                </a:solidFill>
-                <a:effectLst/>
-              </a:rPr>
-              <a:t>The password strength widget is updated to visually represent the strength of the generated password.</a:t>
-            </a:r>
-            <a:r>
-              <a:rPr kumimoji="0" lang="en-US" altLang="en-US" sz="1100" b="0" i="0" u="none" strike="noStrike" cap="none" normalizeH="0" baseline="0" dirty="0" smtClean="0">
-                <a:ln>
-                  <a:noFill/>
-                </a:ln>
-                <a:solidFill>
-                  <a:schemeClr val="tx1"/>
-                </a:solidFill>
-                <a:effectLst/>
-                <a:latin typeface="Arial" panose="020B0604020202020204" pitchFamily="34" charset="0"/>
-              </a:rPr>
-              <a:t> </a:t>
+              <a:rPr lang="en-US" altLang="en-US" sz="1200" dirty="0"/>
+              <a:t>        except Exception as e:</a:t>
+            </a:r>
+          </a:p>
+          <a:p>
+            <a:pPr lvl="0" eaLnBrk="0" fontAlgn="base" hangingPunct="0">
+              <a:spcBef>
+                <a:spcPct val="0"/>
+              </a:spcBef>
+              <a:spcAft>
+                <a:spcPct val="0"/>
+              </a:spcAft>
+              <a:buClrTx/>
+            </a:pPr>
+            <a:r>
+              <a:rPr lang="en-US" altLang="en-US" sz="1200" dirty="0"/>
+              <a:t>            </a:t>
+            </a:r>
+            <a:r>
+              <a:rPr lang="en-US" altLang="en-US" sz="1200" dirty="0" err="1"/>
+              <a:t>logging.error</a:t>
+            </a:r>
+            <a:r>
+              <a:rPr lang="en-US" altLang="en-US" sz="1200" dirty="0"/>
+              <a:t>(</a:t>
+            </a:r>
+            <a:r>
+              <a:rPr lang="en-US" altLang="en-US" sz="1200" dirty="0" err="1"/>
+              <a:t>f"Error</a:t>
+            </a:r>
+            <a:r>
+              <a:rPr lang="en-US" altLang="en-US" sz="1200" dirty="0"/>
+              <a:t> saving credentials: {e}")</a:t>
             </a:r>
           </a:p>
         </p:txBody>
       </p:sp>
-      <p:sp>
-        <p:nvSpPr>
-          <p:cNvPr id="10" name="Google Shape;555;p51"/>
-          <p:cNvSpPr txBox="1">
-            <a:spLocks noGrp="1"/>
-          </p:cNvSpPr>
-          <p:nvPr>
-            <p:ph type="body" idx="2"/>
-          </p:nvPr>
-        </p:nvSpPr>
-        <p:spPr>
-          <a:xfrm>
-            <a:off x="6416282" y="915600"/>
-            <a:ext cx="2679600" cy="3621717"/>
-          </a:xfrm>
-          <a:prstGeom prst="rect">
-            <a:avLst/>
-          </a:prstGeom>
-          <a:solidFill>
-            <a:schemeClr val="accent3"/>
-          </a:solidFill>
-          <a:ln>
-            <a:noFill/>
-          </a:ln>
-        </p:spPr>
-        <p:txBody>
-          <a:bodyPr spcFirstLastPara="1" wrap="square" lIns="91425" tIns="91425" rIns="91425" bIns="91425" anchor="t" anchorCtr="0">
-            <a:normAutofit/>
-          </a:bodyPr>
-          <a:lstStyle/>
-          <a:p>
-            <a:pPr marL="0" lvl="0" indent="0" algn="ctr">
-              <a:buSzPts val="1100"/>
-              <a:buNone/>
-            </a:pPr>
-            <a:r>
-              <a:rPr lang="en-US" b="1" dirty="0"/>
-              <a:t>Error Handling</a:t>
-            </a:r>
-            <a:endParaRPr lang="en-US" b="1" dirty="0"/>
-          </a:p>
-          <a:p>
-            <a:pPr marL="0" lvl="0" indent="0" algn="ctr">
-              <a:buSzPts val="1100"/>
-              <a:buNone/>
-            </a:pPr>
-            <a:endParaRPr dirty="0"/>
-          </a:p>
-        </p:txBody>
-      </p:sp>
-      <p:sp>
-        <p:nvSpPr>
-          <p:cNvPr id="6" name="Rectangle 3"/>
-          <p:cNvSpPr>
-            <a:spLocks noChangeArrowheads="1"/>
-          </p:cNvSpPr>
-          <p:nvPr/>
-        </p:nvSpPr>
-        <p:spPr bwMode="auto">
-          <a:xfrm>
-            <a:off x="6416282" y="1318086"/>
-            <a:ext cx="2679600" cy="1785104"/>
-          </a:xfrm>
-          <a:prstGeom prst="rect">
-            <a:avLst/>
-          </a:prstGeom>
-          <a:noFill/>
-          <a:ln>
-            <a:noFill/>
-          </a:ln>
-          <a:effectLst/>
-          <a:extLst>
-            <a:ext uri="{909E8E84-426E-40DD-AFC4-6F175D3DCCD1}">
-              <a14:hiddenFill xmlns:a14="http://schemas.microsoft.com/office/drawing/2010/main">
-                <a:solidFill>
-                  <a:schemeClr val="accent1"/>
-                </a:solidFill>
-              </a14:hiddenFill>
-            </a:ext>
-            <a:ext uri="{91240B29-F687-4F45-9708-019B960494DF}">
-              <a14:hiddenLine xmlns:a14="http://schemas.microsoft.com/office/drawing/2010/main" w="9525">
-                <a:solidFill>
-                  <a:schemeClr val="tx1"/>
-                </a:solidFill>
-                <a:miter lim="800000"/>
-                <a:headEnd/>
-                <a:tailEnd/>
-              </a14:hiddenLine>
-            </a:ext>
-            <a:ext uri="{AF507438-7753-43E0-B8FC-AC1667EBCBE1}">
-              <a14:hiddenEffects xmlns:a14="http://schemas.microsoft.com/office/drawing/2010/main">
-                <a:effectLst>
-                  <a:outerShdw dist="35921" dir="2700000" algn="ctr" rotWithShape="0">
-                    <a:schemeClr val="bg2"/>
-                  </a:outerShdw>
-                </a:effectLst>
-              </a14:hiddenEffects>
-            </a:ext>
-          </a:extLst>
-        </p:spPr>
-        <p:txBody>
-          <a:bodyPr vert="horz" wrap="square" lIns="91440" tIns="45720" rIns="91440" bIns="45720" numCol="1" anchor="ctr" anchorCtr="0" compatLnSpc="1">
-            <a:prstTxWarp prst="textNoShape">
-              <a:avLst/>
-            </a:prstTxWarp>
-            <a:spAutoFit/>
-          </a:bodyPr>
-          <a:lstStyle/>
-          <a:p>
-            <a:pPr marL="0" marR="0" lvl="0" indent="0" algn="l" defTabSz="914400" rtl="0" eaLnBrk="0" fontAlgn="base" latinLnBrk="0" hangingPunct="0">
-              <a:lnSpc>
-                <a:spcPct val="100000"/>
-              </a:lnSpc>
-              <a:spcBef>
-                <a:spcPct val="0"/>
-              </a:spcBef>
-              <a:spcAft>
-                <a:spcPct val="0"/>
-              </a:spcAft>
-              <a:buClrTx/>
-              <a:buSzTx/>
-              <a:buFontTx/>
-              <a:buNone/>
-              <a:tabLst/>
-            </a:pPr>
-            <a:endParaRPr kumimoji="0" lang="en-US" altLang="en-US" sz="1100" b="0" i="0" u="none" strike="noStrike" cap="none" normalizeH="0" baseline="0" dirty="0" smtClean="0">
-              <a:ln>
-                <a:noFill/>
-              </a:ln>
-              <a:solidFill>
-                <a:schemeClr val="tx1"/>
-              </a:solidFill>
-              <a:effectLst/>
-              <a:latin typeface="Arial" panose="020B0604020202020204" pitchFamily="34" charset="0"/>
-            </a:endParaRPr>
-          </a:p>
-          <a:p>
-            <a:pPr marL="0" marR="0" lvl="0" indent="0" algn="l" defTabSz="914400" rtl="0" eaLnBrk="0" fontAlgn="base" latinLnBrk="0" hangingPunct="0">
-              <a:lnSpc>
-                <a:spcPct val="100000"/>
-              </a:lnSpc>
-              <a:spcBef>
-                <a:spcPct val="0"/>
-              </a:spcBef>
-              <a:spcAft>
-                <a:spcPct val="0"/>
-              </a:spcAft>
-              <a:buClrTx/>
-              <a:buSzTx/>
-              <a:buFontTx/>
-              <a:buChar char="•"/>
-              <a:tabLst/>
-            </a:pPr>
-            <a:r>
-              <a:rPr kumimoji="0" lang="en-US" altLang="en-US" sz="1100" b="0" i="0" u="none" strike="noStrike" cap="none" normalizeH="0" baseline="0" dirty="0" smtClean="0">
-                <a:ln>
-                  <a:noFill/>
-                </a:ln>
-                <a:solidFill>
-                  <a:schemeClr val="tx1"/>
-                </a:solidFill>
-                <a:effectLst/>
-                <a:latin typeface="Arial" panose="020B0604020202020204" pitchFamily="34" charset="0"/>
-              </a:rPr>
-              <a:t>The entire method is wrapped in a try-except block to handle and log any potential errors that occur during the process.</a:t>
-            </a:r>
-          </a:p>
-          <a:p>
-            <a:pPr marL="0" marR="0" lvl="0" indent="0" algn="l" defTabSz="914400" rtl="0" eaLnBrk="0" fontAlgn="base" latinLnBrk="0" hangingPunct="0">
-              <a:lnSpc>
-                <a:spcPct val="100000"/>
-              </a:lnSpc>
-              <a:spcBef>
-                <a:spcPct val="0"/>
-              </a:spcBef>
-              <a:spcAft>
-                <a:spcPct val="0"/>
-              </a:spcAft>
-              <a:buClrTx/>
-              <a:buSzTx/>
-              <a:tabLst/>
-            </a:pPr>
-            <a:endParaRPr kumimoji="0" lang="en-US" altLang="en-US" sz="1100" b="0" i="0" u="none" strike="noStrike" cap="none" normalizeH="0" baseline="0" dirty="0" smtClean="0">
-              <a:ln>
-                <a:noFill/>
-              </a:ln>
-              <a:solidFill>
-                <a:schemeClr val="tx1"/>
-              </a:solidFill>
-              <a:effectLst/>
-              <a:latin typeface="Arial" panose="020B0604020202020204" pitchFamily="34" charset="0"/>
-            </a:endParaRPr>
-          </a:p>
-          <a:p>
-            <a:pPr marL="0" marR="0" lvl="0" indent="0" algn="l" defTabSz="914400" rtl="0" eaLnBrk="0" fontAlgn="base" latinLnBrk="0" hangingPunct="0">
-              <a:lnSpc>
-                <a:spcPct val="100000"/>
-              </a:lnSpc>
-              <a:spcBef>
-                <a:spcPct val="0"/>
-              </a:spcBef>
-              <a:spcAft>
-                <a:spcPct val="0"/>
-              </a:spcAft>
-              <a:buClrTx/>
-              <a:buSzTx/>
-              <a:buFontTx/>
-              <a:buChar char="•"/>
-              <a:tabLst/>
-            </a:pPr>
-            <a:r>
-              <a:rPr kumimoji="0" lang="en-US" altLang="en-US" sz="1100" b="0" i="0" u="none" strike="noStrike" cap="none" normalizeH="0" baseline="0" dirty="0" smtClean="0">
-                <a:ln>
-                  <a:noFill/>
-                </a:ln>
-                <a:solidFill>
-                  <a:schemeClr val="tx1"/>
-                </a:solidFill>
-                <a:effectLst/>
-                <a:latin typeface="Arial Unicode MS"/>
-              </a:rPr>
-              <a:t>except Exception as e:</a:t>
-            </a:r>
-          </a:p>
-          <a:p>
-            <a:pPr marL="0" marR="0" lvl="0" indent="0" algn="l" defTabSz="914400" rtl="0" eaLnBrk="0" fontAlgn="base" latinLnBrk="0" hangingPunct="0">
-              <a:lnSpc>
-                <a:spcPct val="100000"/>
-              </a:lnSpc>
-              <a:spcBef>
-                <a:spcPct val="0"/>
-              </a:spcBef>
-              <a:spcAft>
-                <a:spcPct val="0"/>
-              </a:spcAft>
-              <a:buClrTx/>
-              <a:buSzTx/>
-              <a:tabLst/>
-            </a:pPr>
-            <a:endParaRPr kumimoji="0" lang="en-US" altLang="en-US" sz="1100" b="0" i="0" u="none" strike="noStrike" cap="none" normalizeH="0" baseline="0" dirty="0" smtClean="0">
-              <a:ln>
-                <a:noFill/>
-              </a:ln>
-              <a:solidFill>
-                <a:schemeClr val="tx1"/>
-              </a:solidFill>
-              <a:effectLst/>
-            </a:endParaRPr>
-          </a:p>
-          <a:p>
-            <a:pPr marL="0" marR="0" lvl="0" indent="0" algn="l" defTabSz="914400" rtl="0" eaLnBrk="0" fontAlgn="base" latinLnBrk="0" hangingPunct="0">
-              <a:lnSpc>
-                <a:spcPct val="100000"/>
-              </a:lnSpc>
-              <a:spcBef>
-                <a:spcPct val="0"/>
-              </a:spcBef>
-              <a:spcAft>
-                <a:spcPct val="0"/>
-              </a:spcAft>
-              <a:buClrTx/>
-              <a:buSzTx/>
-              <a:buFontTx/>
-              <a:buChar char="•"/>
-              <a:tabLst/>
-            </a:pPr>
-            <a:r>
-              <a:rPr kumimoji="0" lang="en-US" altLang="en-US" sz="1100" b="0" i="0" u="none" strike="noStrike" cap="none" normalizeH="0" baseline="0" dirty="0" err="1" smtClean="0">
-                <a:ln>
-                  <a:noFill/>
-                </a:ln>
-                <a:solidFill>
-                  <a:schemeClr val="tx1"/>
-                </a:solidFill>
-                <a:effectLst/>
-                <a:latin typeface="Arial Unicode MS"/>
-              </a:rPr>
-              <a:t>logging.error</a:t>
-            </a:r>
-            <a:r>
-              <a:rPr kumimoji="0" lang="en-US" altLang="en-US" sz="1100" b="0" i="0" u="none" strike="noStrike" cap="none" normalizeH="0" baseline="0" dirty="0" smtClean="0">
-                <a:ln>
-                  <a:noFill/>
-                </a:ln>
-                <a:solidFill>
-                  <a:schemeClr val="tx1"/>
-                </a:solidFill>
-                <a:effectLst/>
-                <a:latin typeface="Arial Unicode MS"/>
-              </a:rPr>
-              <a:t>(</a:t>
-            </a:r>
-            <a:r>
-              <a:rPr kumimoji="0" lang="en-US" altLang="en-US" sz="1100" b="0" i="0" u="none" strike="noStrike" cap="none" normalizeH="0" baseline="0" dirty="0" err="1" smtClean="0">
-                <a:ln>
-                  <a:noFill/>
-                </a:ln>
-                <a:solidFill>
-                  <a:schemeClr val="tx1"/>
-                </a:solidFill>
-                <a:effectLst/>
-                <a:latin typeface="Arial Unicode MS"/>
-              </a:rPr>
-              <a:t>f"Error</a:t>
-            </a:r>
-            <a:r>
-              <a:rPr kumimoji="0" lang="en-US" altLang="en-US" sz="1100" b="0" i="0" u="none" strike="noStrike" cap="none" normalizeH="0" baseline="0" dirty="0" smtClean="0">
-                <a:ln>
-                  <a:noFill/>
-                </a:ln>
-                <a:solidFill>
-                  <a:schemeClr val="tx1"/>
-                </a:solidFill>
-                <a:effectLst/>
-                <a:latin typeface="Arial Unicode MS"/>
-              </a:rPr>
-              <a:t> generating credentials: {e}")</a:t>
-            </a:r>
-            <a:r>
-              <a:rPr kumimoji="0" lang="en-US" altLang="en-US" sz="1100" b="0" i="0" u="none" strike="noStrike" cap="none" normalizeH="0" baseline="0" dirty="0" smtClean="0">
-                <a:ln>
-                  <a:noFill/>
-                </a:ln>
-                <a:solidFill>
-                  <a:schemeClr val="tx1"/>
-                </a:solidFill>
-                <a:effectLst/>
-              </a:rPr>
-              <a:t> </a:t>
-            </a:r>
-            <a:endParaRPr kumimoji="0" lang="en-US" altLang="en-US" sz="1100" b="0" i="0" u="none" strike="noStrike" cap="none" normalizeH="0" baseline="0" dirty="0" smtClean="0">
-              <a:ln>
-                <a:noFill/>
-              </a:ln>
-              <a:solidFill>
-                <a:schemeClr val="tx1"/>
-              </a:solidFill>
-              <a:effectLst/>
-              <a:latin typeface="Arial" panose="020B0604020202020204" pitchFamily="34" charset="0"/>
-            </a:endParaRPr>
-          </a:p>
-        </p:txBody>
-      </p:sp>
-      <p:pic>
-        <p:nvPicPr>
-          <p:cNvPr id="12" name="Google Shape;339;p35">
-            <a:extLst>
-              <a:ext uri="{FF2B5EF4-FFF2-40B4-BE49-F238E27FC236}">
-                <a16:creationId xmlns:a16="http://schemas.microsoft.com/office/drawing/2014/main" id="{434FAA5E-29C7-9CE8-71EE-68D498BE2C2B}"/>
-              </a:ext>
-            </a:extLst>
-          </p:cNvPr>
-          <p:cNvPicPr preferRelativeResize="0"/>
-          <p:nvPr/>
-        </p:nvPicPr>
-        <p:blipFill rotWithShape="1">
-          <a:blip r:embed="rId4">
-            <a:alphaModFix/>
-          </a:blip>
-          <a:srcRect/>
-          <a:stretch/>
-        </p:blipFill>
-        <p:spPr>
-          <a:xfrm>
-            <a:off x="8649463" y="4113843"/>
-            <a:ext cx="538965" cy="423474"/>
-          </a:xfrm>
-          <a:prstGeom prst="rect">
-            <a:avLst/>
-          </a:prstGeom>
-          <a:noFill/>
-          <a:ln>
-            <a:noFill/>
-          </a:ln>
-        </p:spPr>
-      </p:pic>
     </p:spTree>
     <p:extLst>
       <p:ext uri="{BB962C8B-B14F-4D97-AF65-F5344CB8AC3E}">
@@ -13117,13 +12555,6 @@
   <p:clrMapOvr>
     <a:masterClrMapping/>
   </p:clrMapOvr>
-  <p:timing>
-    <p:tnLst>
-      <p:par>
-        <p:cTn id="1" dur="indefinite" restart="never" nodeType="tmRoot"/>
-      </p:par>
-    </p:tnLst>
-  </p:timing>
 </p:sld>
 </file>
 
@@ -13324,13 +12755,6 @@
   <p:clrMapOvr>
     <a:masterClrMapping/>
   </p:clrMapOvr>
-  <p:timing>
-    <p:tnLst>
-      <p:par>
-        <p:cTn id="1" dur="indefinite" restart="never" nodeType="tmRoot"/>
-      </p:par>
-    </p:tnLst>
-  </p:timing>
 </p:sld>
 </file>
 
@@ -13780,13 +13204,8 @@
             </a:pPr>
             <a:r>
               <a:rPr lang="en-US" dirty="0"/>
-              <a:t>Enhanced </a:t>
-            </a:r>
-            <a:r>
-              <a:rPr lang="en-US" dirty="0" smtClean="0"/>
-              <a:t>Security</a:t>
-            </a:r>
-            <a:endParaRPr lang="en-US" dirty="0"/>
+              <a:t>Enhanced Security</a:t>
+            </a:r>
           </a:p>
         </p:txBody>
       </p:sp>
@@ -13837,7 +13256,7 @@
               <a:defRPr/>
             </a:pPr>
             <a:r>
-              <a:rPr kumimoji="0" lang="en-US" sz="1400" b="0" i="0" u="none" strike="noStrike" kern="0" cap="none" spc="0" normalizeH="0" baseline="0" noProof="0" dirty="0" smtClean="0">
+              <a:rPr kumimoji="0" lang="en-US" sz="1400" b="0" i="0" u="none" strike="noStrike" kern="0" cap="none" spc="0" normalizeH="0" baseline="0" noProof="0" dirty="0">
                 <a:ln>
                   <a:noFill/>
                 </a:ln>
@@ -15079,7 +14498,7 @@
               <a:buNone/>
             </a:pPr>
             <a:r>
-              <a:rPr lang="en-US" sz="1400" b="0" i="0" u="none" strike="noStrike" cap="none" dirty="0" smtClean="0">
+              <a:rPr lang="en-US" sz="1400" b="0" i="0" u="none" strike="noStrike" cap="none" dirty="0">
                 <a:solidFill>
                   <a:srgbClr val="000000"/>
                 </a:solidFill>
@@ -15112,13 +14531,6 @@
   <p:clrMapOvr>
     <a:masterClrMapping/>
   </p:clrMapOvr>
-  <p:timing>
-    <p:tnLst>
-      <p:par>
-        <p:cTn id="1" dur="indefinite" restart="never" nodeType="tmRoot"/>
-      </p:par>
-    </p:tnLst>
-  </p:timing>
 </p:sld>
 </file>
 
@@ -15319,13 +14731,6 @@
   <p:clrMapOvr>
     <a:masterClrMapping/>
   </p:clrMapOvr>
-  <p:timing>
-    <p:tnLst>
-      <p:par>
-        <p:cTn id="1" dur="indefinite" restart="never" nodeType="tmRoot"/>
-      </p:par>
-    </p:tnLst>
-  </p:timing>
 </p:sld>
 </file>
 
@@ -15853,13 +15258,6 @@
   <p:clrMapOvr>
     <a:masterClrMapping/>
   </p:clrMapOvr>
-  <p:timing>
-    <p:tnLst>
-      <p:par>
-        <p:cTn id="1" dur="indefinite" restart="never" nodeType="tmRoot"/>
-      </p:par>
-    </p:tnLst>
-  </p:timing>
 </p:sld>
 </file>
 
@@ -16078,13 +15476,6 @@
   <p:clrMapOvr>
     <a:masterClrMapping/>
   </p:clrMapOvr>
-  <p:timing>
-    <p:tnLst>
-      <p:par>
-        <p:cTn id="1" dur="indefinite" restart="never" nodeType="tmRoot"/>
-      </p:par>
-    </p:tnLst>
-  </p:timing>
 </p:sld>
 </file>
 
@@ -16944,13 +16335,6 @@
   <p:clrMapOvr>
     <a:masterClrMapping/>
   </p:clrMapOvr>
-  <p:timing>
-    <p:tnLst>
-      <p:par>
-        <p:cTn id="1" dur="indefinite" restart="never" nodeType="tmRoot"/>
-      </p:par>
-    </p:tnLst>
-  </p:timing>
 </p:sld>
 </file>
 
@@ -17554,13 +16938,6 @@
   <p:clrMapOvr>
     <a:masterClrMapping/>
   </p:clrMapOvr>
-  <p:timing>
-    <p:tnLst>
-      <p:par>
-        <p:cTn id="1" dur="indefinite" restart="never" nodeType="tmRoot"/>
-      </p:par>
-    </p:tnLst>
-  </p:timing>
 </p:sld>
 </file>
 
@@ -17756,13 +17133,6 @@
   <p:clrMapOvr>
     <a:masterClrMapping/>
   </p:clrMapOvr>
-  <p:timing>
-    <p:tnLst>
-      <p:par>
-        <p:cTn id="1" dur="indefinite" restart="never" nodeType="tmRoot"/>
-      </p:par>
-    </p:tnLst>
-  </p:timing>
 </p:sld>
 </file>
 
@@ -18396,17 +17766,6 @@
                 <a:srgbClr val="000000"/>
               </a:buClr>
             </a:pPr>
-            <a:r>
-              <a:rPr lang="en-US" sz="1867" kern="0" dirty="0">
-                <a:solidFill>
-                  <a:srgbClr val="000000"/>
-                </a:solidFill>
-                <a:latin typeface="Arial"/>
-                <a:cs typeface="Arial"/>
-                <a:sym typeface="Arial"/>
-              </a:rPr>
-              <a:t/>
-            </a:r>
             <a:br>
               <a:rPr lang="en-US" sz="1867" kern="0" dirty="0">
                 <a:solidFill>
@@ -18438,13 +17797,6 @@
   <p:clrMapOvr>
     <a:masterClrMapping/>
   </p:clrMapOvr>
-  <p:timing>
-    <p:tnLst>
-      <p:par>
-        <p:cTn id="1" dur="indefinite" restart="never" nodeType="tmRoot"/>
-      </p:par>
-    </p:tnLst>
-  </p:timing>
 </p:sld>
 </file>
 
@@ -18640,13 +17992,6 @@
   <p:clrMapOvr>
     <a:masterClrMapping/>
   </p:clrMapOvr>
-  <p:timing>
-    <p:tnLst>
-      <p:par>
-        <p:cTn id="1" dur="indefinite" restart="never" nodeType="tmRoot"/>
-      </p:par>
-    </p:tnLst>
-  </p:timing>
 </p:sld>
 </file>
 
@@ -19259,13 +18604,6 @@
   <p:clrMapOvr>
     <a:masterClrMapping/>
   </p:clrMapOvr>
-  <p:timing>
-    <p:tnLst>
-      <p:par>
-        <p:cTn id="1" dur="indefinite" restart="never" nodeType="tmRoot"/>
-      </p:par>
-    </p:tnLst>
-  </p:timing>
 </p:sld>
 </file>
 
@@ -19671,10 +19009,10 @@
       </p:grpSp>
       <p:pic>
         <p:nvPicPr>
-          <p:cNvPr id="3" name="Picture 2" descr="A screenshot of a computer">
+          <p:cNvPr id="5" name="Picture 4" descr="A white background with black text&#10;&#10;Description automatically generated">
             <a:extLst>
               <a:ext uri="{FF2B5EF4-FFF2-40B4-BE49-F238E27FC236}">
-                <a16:creationId xmlns:a16="http://schemas.microsoft.com/office/drawing/2014/main" id="{6251D7A6-C161-6E28-FDF4-61485597D5CC}"/>
+                <a16:creationId xmlns:a16="http://schemas.microsoft.com/office/drawing/2014/main" id="{B3211678-1628-7D1C-8D19-CB741DFEB9EA}"/>
               </a:ext>
             </a:extLst>
           </p:cNvPr>
@@ -19691,37 +19029,7 @@
         </p:blipFill>
         <p:spPr>
           <a:xfrm>
-            <a:off x="4883727" y="872836"/>
-            <a:ext cx="3935458" cy="4270664"/>
-          </a:xfrm>
-          <a:prstGeom prst="rect">
-            <a:avLst/>
-          </a:prstGeom>
-        </p:spPr>
-      </p:pic>
-      <p:pic>
-        <p:nvPicPr>
-          <p:cNvPr id="5" name="Picture 4" descr="A white background with black text&#10;&#10;Description automatically generated">
-            <a:extLst>
-              <a:ext uri="{FF2B5EF4-FFF2-40B4-BE49-F238E27FC236}">
-                <a16:creationId xmlns:a16="http://schemas.microsoft.com/office/drawing/2014/main" id="{B3211678-1628-7D1C-8D19-CB741DFEB9EA}"/>
-              </a:ext>
-            </a:extLst>
-          </p:cNvPr>
-          <p:cNvPicPr>
-            <a:picLocks noChangeAspect="1"/>
-          </p:cNvPicPr>
-          <p:nvPr/>
-        </p:nvPicPr>
-        <p:blipFill>
-          <a:blip r:embed="rId4"/>
-          <a:stretch>
-            <a:fillRect/>
-          </a:stretch>
-        </p:blipFill>
-        <p:spPr>
-          <a:xfrm>
-            <a:off x="463172" y="3554634"/>
+            <a:off x="956771" y="3417693"/>
             <a:ext cx="3158032" cy="1143160"/>
           </a:xfrm>
           <a:prstGeom prst="rect">
@@ -19744,14 +19052,14 @@
           <p:nvPr/>
         </p:nvPicPr>
         <p:blipFill>
-          <a:blip r:embed="rId5"/>
+          <a:blip r:embed="rId4"/>
           <a:stretch>
             <a:fillRect/>
           </a:stretch>
         </p:blipFill>
         <p:spPr>
           <a:xfrm>
-            <a:off x="463172" y="2265912"/>
+            <a:off x="916419" y="2115502"/>
             <a:ext cx="3158031" cy="1171739"/>
           </a:xfrm>
           <a:prstGeom prst="rect">
@@ -19774,6 +19082,36 @@
           <p:nvPr/>
         </p:nvPicPr>
         <p:blipFill>
+          <a:blip r:embed="rId5"/>
+          <a:stretch>
+            <a:fillRect/>
+          </a:stretch>
+        </p:blipFill>
+        <p:spPr>
+          <a:xfrm>
+            <a:off x="956771" y="849575"/>
+            <a:ext cx="3158030" cy="1143160"/>
+          </a:xfrm>
+          <a:prstGeom prst="rect">
+            <a:avLst/>
+          </a:prstGeom>
+        </p:spPr>
+      </p:pic>
+      <p:pic>
+        <p:nvPicPr>
+          <p:cNvPr id="4" name="Picture 3" descr="A screenshot of a login screen">
+            <a:extLst>
+              <a:ext uri="{FF2B5EF4-FFF2-40B4-BE49-F238E27FC236}">
+                <a16:creationId xmlns:a16="http://schemas.microsoft.com/office/drawing/2014/main" id="{4622C62F-12D2-0A43-1F3C-E7E5AD696676}"/>
+              </a:ext>
+            </a:extLst>
+          </p:cNvPr>
+          <p:cNvPicPr>
+            <a:picLocks noChangeAspect="1"/>
+          </p:cNvPicPr>
+          <p:nvPr/>
+        </p:nvPicPr>
+        <p:blipFill>
           <a:blip r:embed="rId6"/>
           <a:stretch>
             <a:fillRect/>
@@ -19781,8 +19119,8 @@
         </p:blipFill>
         <p:spPr>
           <a:xfrm>
-            <a:off x="463173" y="1029773"/>
-            <a:ext cx="3158030" cy="1143160"/>
+            <a:off x="5029200" y="342900"/>
+            <a:ext cx="3288898" cy="4319588"/>
           </a:xfrm>
           <a:prstGeom prst="rect">
             <a:avLst/>
@@ -19799,13 +19137,6 @@
   <p:clrMapOvr>
     <a:masterClrMapping/>
   </p:clrMapOvr>
-  <p:timing>
-    <p:tnLst>
-      <p:par>
-        <p:cTn id="1" dur="indefinite" restart="never" nodeType="tmRoot"/>
-      </p:par>
-    </p:tnLst>
-  </p:timing>
 </p:sld>
 </file>
 
@@ -20001,13 +19332,6 @@
   <p:clrMapOvr>
     <a:masterClrMapping/>
   </p:clrMapOvr>
-  <p:timing>
-    <p:tnLst>
-      <p:par>
-        <p:cTn id="1" dur="indefinite" restart="never" nodeType="tmRoot"/>
-      </p:par>
-    </p:tnLst>
-  </p:timing>
 </p:sld>
 </file>
 
